--- a/UE5_analysis/Lumen分析图.pptx
+++ b/UE5_analysis/Lumen分析图.pptx
@@ -5,7 +5,7 @@
     <p:sldMasterId id="2147483648" r:id="rId1"/>
   </p:sldMasterIdLst>
   <p:notesMasterIdLst>
-    <p:notesMasterId r:id="rId12"/>
+    <p:notesMasterId r:id="rId16"/>
   </p:notesMasterIdLst>
   <p:sldIdLst>
     <p:sldId id="256" r:id="rId2"/>
@@ -15,9 +15,13 @@
     <p:sldId id="260" r:id="rId6"/>
     <p:sldId id="262" r:id="rId7"/>
     <p:sldId id="264" r:id="rId8"/>
-    <p:sldId id="265" r:id="rId9"/>
-    <p:sldId id="266" r:id="rId10"/>
-    <p:sldId id="267" r:id="rId11"/>
+    <p:sldId id="269" r:id="rId9"/>
+    <p:sldId id="268" r:id="rId10"/>
+    <p:sldId id="270" r:id="rId11"/>
+    <p:sldId id="271" r:id="rId12"/>
+    <p:sldId id="265" r:id="rId13"/>
+    <p:sldId id="266" r:id="rId14"/>
+    <p:sldId id="267" r:id="rId15"/>
   </p:sldIdLst>
   <p:sldSz cx="12192000" cy="6858000"/>
   <p:notesSz cx="6858000" cy="9144000"/>
@@ -206,7 +210,7 @@
           <a:p>
             <a:fld id="{EBED92C1-E1E7-4A47-950D-CDDCB864850B}" type="datetimeFigureOut">
               <a:rPr lang="zh-CN" altLang="en-US" smtClean="0"/>
-              <a:t>2021/7/4</a:t>
+              <a:t>2021/7/5</a:t>
             </a:fld>
             <a:endParaRPr lang="zh-CN" altLang="en-US"/>
           </a:p>
@@ -773,7 +777,7 @@
           <a:p>
             <a:fld id="{6C53308C-9145-4105-91FB-D2AE27DEB393}" type="datetimeFigureOut">
               <a:rPr lang="zh-CN" altLang="en-US" smtClean="0"/>
-              <a:t>2021/7/4</a:t>
+              <a:t>2021/7/5</a:t>
             </a:fld>
             <a:endParaRPr lang="zh-CN" altLang="en-US"/>
           </a:p>
@@ -943,7 +947,7 @@
           <a:p>
             <a:fld id="{6C53308C-9145-4105-91FB-D2AE27DEB393}" type="datetimeFigureOut">
               <a:rPr lang="zh-CN" altLang="en-US" smtClean="0"/>
-              <a:t>2021/7/4</a:t>
+              <a:t>2021/7/5</a:t>
             </a:fld>
             <a:endParaRPr lang="zh-CN" altLang="en-US"/>
           </a:p>
@@ -1123,7 +1127,7 @@
           <a:p>
             <a:fld id="{6C53308C-9145-4105-91FB-D2AE27DEB393}" type="datetimeFigureOut">
               <a:rPr lang="zh-CN" altLang="en-US" smtClean="0"/>
-              <a:t>2021/7/4</a:t>
+              <a:t>2021/7/5</a:t>
             </a:fld>
             <a:endParaRPr lang="zh-CN" altLang="en-US"/>
           </a:p>
@@ -1293,7 +1297,7 @@
           <a:p>
             <a:fld id="{6C53308C-9145-4105-91FB-D2AE27DEB393}" type="datetimeFigureOut">
               <a:rPr lang="zh-CN" altLang="en-US" smtClean="0"/>
-              <a:t>2021/7/4</a:t>
+              <a:t>2021/7/5</a:t>
             </a:fld>
             <a:endParaRPr lang="zh-CN" altLang="en-US"/>
           </a:p>
@@ -1539,7 +1543,7 @@
           <a:p>
             <a:fld id="{6C53308C-9145-4105-91FB-D2AE27DEB393}" type="datetimeFigureOut">
               <a:rPr lang="zh-CN" altLang="en-US" smtClean="0"/>
-              <a:t>2021/7/4</a:t>
+              <a:t>2021/7/5</a:t>
             </a:fld>
             <a:endParaRPr lang="zh-CN" altLang="en-US"/>
           </a:p>
@@ -1771,7 +1775,7 @@
           <a:p>
             <a:fld id="{6C53308C-9145-4105-91FB-D2AE27DEB393}" type="datetimeFigureOut">
               <a:rPr lang="zh-CN" altLang="en-US" smtClean="0"/>
-              <a:t>2021/7/4</a:t>
+              <a:t>2021/7/5</a:t>
             </a:fld>
             <a:endParaRPr lang="zh-CN" altLang="en-US"/>
           </a:p>
@@ -2138,7 +2142,7 @@
           <a:p>
             <a:fld id="{6C53308C-9145-4105-91FB-D2AE27DEB393}" type="datetimeFigureOut">
               <a:rPr lang="zh-CN" altLang="en-US" smtClean="0"/>
-              <a:t>2021/7/4</a:t>
+              <a:t>2021/7/5</a:t>
             </a:fld>
             <a:endParaRPr lang="zh-CN" altLang="en-US"/>
           </a:p>
@@ -2256,7 +2260,7 @@
           <a:p>
             <a:fld id="{6C53308C-9145-4105-91FB-D2AE27DEB393}" type="datetimeFigureOut">
               <a:rPr lang="zh-CN" altLang="en-US" smtClean="0"/>
-              <a:t>2021/7/4</a:t>
+              <a:t>2021/7/5</a:t>
             </a:fld>
             <a:endParaRPr lang="zh-CN" altLang="en-US"/>
           </a:p>
@@ -2351,7 +2355,7 @@
           <a:p>
             <a:fld id="{6C53308C-9145-4105-91FB-D2AE27DEB393}" type="datetimeFigureOut">
               <a:rPr lang="zh-CN" altLang="en-US" smtClean="0"/>
-              <a:t>2021/7/4</a:t>
+              <a:t>2021/7/5</a:t>
             </a:fld>
             <a:endParaRPr lang="zh-CN" altLang="en-US"/>
           </a:p>
@@ -2628,7 +2632,7 @@
           <a:p>
             <a:fld id="{6C53308C-9145-4105-91FB-D2AE27DEB393}" type="datetimeFigureOut">
               <a:rPr lang="zh-CN" altLang="en-US" smtClean="0"/>
-              <a:t>2021/7/4</a:t>
+              <a:t>2021/7/5</a:t>
             </a:fld>
             <a:endParaRPr lang="zh-CN" altLang="en-US"/>
           </a:p>
@@ -2881,7 +2885,7 @@
           <a:p>
             <a:fld id="{6C53308C-9145-4105-91FB-D2AE27DEB393}" type="datetimeFigureOut">
               <a:rPr lang="zh-CN" altLang="en-US" smtClean="0"/>
-              <a:t>2021/7/4</a:t>
+              <a:t>2021/7/5</a:t>
             </a:fld>
             <a:endParaRPr lang="zh-CN" altLang="en-US"/>
           </a:p>
@@ -3094,7 +3098,7 @@
           <a:p>
             <a:fld id="{6C53308C-9145-4105-91FB-D2AE27DEB393}" type="datetimeFigureOut">
               <a:rPr lang="zh-CN" altLang="en-US" smtClean="0"/>
-              <a:t>2021/7/4</a:t>
+              <a:t>2021/7/5</a:t>
             </a:fld>
             <a:endParaRPr lang="zh-CN" altLang="en-US"/>
           </a:p>
@@ -4251,11 +4255,7 @@
           <a:p>
             <a:r>
               <a:rPr lang="zh-CN" altLang="en-US" dirty="0" smtClean="0"/>
-              <a:t>运行</a:t>
-            </a:r>
-            <a:r>
-              <a:rPr lang="zh-CN" altLang="en-US" dirty="0" smtClean="0"/>
-              <a:t>态</a:t>
+              <a:t>运行态</a:t>
             </a:r>
             <a:endParaRPr lang="zh-CN" altLang="en-US" dirty="0"/>
           </a:p>
@@ -6061,6 +6061,246 @@
 </file>
 
 <file path=ppt/slides/slide10.xml><?xml version="1.0" encoding="utf-8"?>
+<p:sld xmlns:a="http://schemas.openxmlformats.org/drawingml/2006/main" xmlns:r="http://schemas.openxmlformats.org/officeDocument/2006/relationships" xmlns:p="http://schemas.openxmlformats.org/presentationml/2006/main">
+  <p:cSld>
+    <p:spTree>
+      <p:nvGrpSpPr>
+        <p:cNvPr id="1" name=""/>
+        <p:cNvGrpSpPr/>
+        <p:nvPr/>
+      </p:nvGrpSpPr>
+      <p:grpSpPr>
+        <a:xfrm>
+          <a:off x="0" y="0"/>
+          <a:ext cx="0" cy="0"/>
+          <a:chOff x="0" y="0"/>
+          <a:chExt cx="0" cy="0"/>
+        </a:xfrm>
+      </p:grpSpPr>
+      <p:sp>
+        <p:nvSpPr>
+          <p:cNvPr id="4" name="文本框 3"/>
+          <p:cNvSpPr txBox="1"/>
+          <p:nvPr/>
+        </p:nvSpPr>
+        <p:spPr>
+          <a:xfrm>
+            <a:off x="933583" y="537130"/>
+            <a:ext cx="2861681" cy="369332"/>
+          </a:xfrm>
+          <a:prstGeom prst="rect">
+            <a:avLst/>
+          </a:prstGeom>
+          <a:noFill/>
+        </p:spPr>
+        <p:txBody>
+          <a:bodyPr wrap="none" rtlCol="0">
+            <a:spAutoFit/>
+          </a:bodyPr>
+          <a:lstStyle/>
+          <a:p>
+            <a:r>
+              <a:rPr lang="en-US" altLang="zh-CN" dirty="0" smtClean="0"/>
+              <a:t>IndirectLightRendering.cpp</a:t>
+            </a:r>
+            <a:endParaRPr lang="zh-CN" altLang="en-US" dirty="0"/>
+          </a:p>
+        </p:txBody>
+      </p:sp>
+    </p:spTree>
+    <p:extLst>
+      <p:ext uri="{BB962C8B-B14F-4D97-AF65-F5344CB8AC3E}">
+        <p14:creationId xmlns:p14="http://schemas.microsoft.com/office/powerpoint/2010/main" val="1924145384"/>
+      </p:ext>
+    </p:extLst>
+  </p:cSld>
+  <p:clrMapOvr>
+    <a:masterClrMapping/>
+  </p:clrMapOvr>
+</p:sld>
+</file>
+
+<file path=ppt/slides/slide11.xml><?xml version="1.0" encoding="utf-8"?>
+<p:sld xmlns:a="http://schemas.openxmlformats.org/drawingml/2006/main" xmlns:r="http://schemas.openxmlformats.org/officeDocument/2006/relationships" xmlns:p="http://schemas.openxmlformats.org/presentationml/2006/main">
+  <p:cSld>
+    <p:spTree>
+      <p:nvGrpSpPr>
+        <p:cNvPr id="1" name=""/>
+        <p:cNvGrpSpPr/>
+        <p:nvPr/>
+      </p:nvGrpSpPr>
+      <p:grpSpPr>
+        <a:xfrm>
+          <a:off x="0" y="0"/>
+          <a:ext cx="0" cy="0"/>
+          <a:chOff x="0" y="0"/>
+          <a:chExt cx="0" cy="0"/>
+        </a:xfrm>
+      </p:grpSpPr>
+      <p:sp>
+        <p:nvSpPr>
+          <p:cNvPr id="4" name="文本框 3"/>
+          <p:cNvSpPr txBox="1"/>
+          <p:nvPr/>
+        </p:nvSpPr>
+        <p:spPr>
+          <a:xfrm>
+            <a:off x="933583" y="537130"/>
+            <a:ext cx="2627642" cy="369332"/>
+          </a:xfrm>
+          <a:prstGeom prst="rect">
+            <a:avLst/>
+          </a:prstGeom>
+          <a:noFill/>
+        </p:spPr>
+        <p:txBody>
+          <a:bodyPr wrap="none" rtlCol="0">
+            <a:spAutoFit/>
+          </a:bodyPr>
+          <a:lstStyle/>
+          <a:p>
+            <a:r>
+              <a:rPr lang="en-US" altLang="zh-CN" dirty="0" smtClean="0"/>
+              <a:t>LumenVoxelLighting.cpp</a:t>
+            </a:r>
+            <a:endParaRPr lang="zh-CN" altLang="en-US" dirty="0"/>
+          </a:p>
+        </p:txBody>
+      </p:sp>
+    </p:spTree>
+    <p:extLst>
+      <p:ext uri="{BB962C8B-B14F-4D97-AF65-F5344CB8AC3E}">
+        <p14:creationId xmlns:p14="http://schemas.microsoft.com/office/powerpoint/2010/main" val="891317534"/>
+      </p:ext>
+    </p:extLst>
+  </p:cSld>
+  <p:clrMapOvr>
+    <a:masterClrMapping/>
+  </p:clrMapOvr>
+</p:sld>
+</file>
+
+<file path=ppt/slides/slide12.xml><?xml version="1.0" encoding="utf-8"?>
+<p:sld xmlns:a="http://schemas.openxmlformats.org/drawingml/2006/main" xmlns:r="http://schemas.openxmlformats.org/officeDocument/2006/relationships" xmlns:p="http://schemas.openxmlformats.org/presentationml/2006/main">
+  <p:cSld>
+    <p:spTree>
+      <p:nvGrpSpPr>
+        <p:cNvPr id="1" name=""/>
+        <p:cNvGrpSpPr/>
+        <p:nvPr/>
+      </p:nvGrpSpPr>
+      <p:grpSpPr>
+        <a:xfrm>
+          <a:off x="0" y="0"/>
+          <a:ext cx="0" cy="0"/>
+          <a:chOff x="0" y="0"/>
+          <a:chExt cx="0" cy="0"/>
+        </a:xfrm>
+      </p:grpSpPr>
+      <p:sp>
+        <p:nvSpPr>
+          <p:cNvPr id="4" name="文本框 3"/>
+          <p:cNvSpPr txBox="1"/>
+          <p:nvPr/>
+        </p:nvSpPr>
+        <p:spPr>
+          <a:xfrm>
+            <a:off x="933583" y="537130"/>
+            <a:ext cx="2784737" cy="369332"/>
+          </a:xfrm>
+          <a:prstGeom prst="rect">
+            <a:avLst/>
+          </a:prstGeom>
+          <a:noFill/>
+        </p:spPr>
+        <p:txBody>
+          <a:bodyPr wrap="none" rtlCol="0">
+            <a:spAutoFit/>
+          </a:bodyPr>
+          <a:lstStyle/>
+          <a:p>
+            <a:r>
+              <a:rPr lang="en-US" altLang="zh-CN" dirty="0" smtClean="0"/>
+              <a:t>LumenRadianceCache.cpp</a:t>
+            </a:r>
+            <a:endParaRPr lang="zh-CN" altLang="en-US" dirty="0"/>
+          </a:p>
+        </p:txBody>
+      </p:sp>
+    </p:spTree>
+    <p:extLst>
+      <p:ext uri="{BB962C8B-B14F-4D97-AF65-F5344CB8AC3E}">
+        <p14:creationId xmlns:p14="http://schemas.microsoft.com/office/powerpoint/2010/main" val="3265358579"/>
+      </p:ext>
+    </p:extLst>
+  </p:cSld>
+  <p:clrMapOvr>
+    <a:masterClrMapping/>
+  </p:clrMapOvr>
+</p:sld>
+</file>
+
+<file path=ppt/slides/slide13.xml><?xml version="1.0" encoding="utf-8"?>
+<p:sld xmlns:a="http://schemas.openxmlformats.org/drawingml/2006/main" xmlns:r="http://schemas.openxmlformats.org/officeDocument/2006/relationships" xmlns:p="http://schemas.openxmlformats.org/presentationml/2006/main">
+  <p:cSld>
+    <p:spTree>
+      <p:nvGrpSpPr>
+        <p:cNvPr id="1" name=""/>
+        <p:cNvGrpSpPr/>
+        <p:nvPr/>
+      </p:nvGrpSpPr>
+      <p:grpSpPr>
+        <a:xfrm>
+          <a:off x="0" y="0"/>
+          <a:ext cx="0" cy="0"/>
+          <a:chOff x="0" y="0"/>
+          <a:chExt cx="0" cy="0"/>
+        </a:xfrm>
+      </p:grpSpPr>
+      <p:sp>
+        <p:nvSpPr>
+          <p:cNvPr id="4" name="文本框 3"/>
+          <p:cNvSpPr txBox="1"/>
+          <p:nvPr/>
+        </p:nvSpPr>
+        <p:spPr>
+          <a:xfrm>
+            <a:off x="933583" y="537130"/>
+            <a:ext cx="3392275" cy="369332"/>
+          </a:xfrm>
+          <a:prstGeom prst="rect">
+            <a:avLst/>
+          </a:prstGeom>
+          <a:noFill/>
+        </p:spPr>
+        <p:txBody>
+          <a:bodyPr wrap="none" rtlCol="0">
+            <a:spAutoFit/>
+          </a:bodyPr>
+          <a:lstStyle/>
+          <a:p>
+            <a:r>
+              <a:rPr lang="en-US" altLang="zh-CN" dirty="0" smtClean="0"/>
+              <a:t>LumenIrradianceFieldGather.cpp</a:t>
+            </a:r>
+            <a:endParaRPr lang="zh-CN" altLang="en-US" dirty="0"/>
+          </a:p>
+        </p:txBody>
+      </p:sp>
+    </p:spTree>
+    <p:extLst>
+      <p:ext uri="{BB962C8B-B14F-4D97-AF65-F5344CB8AC3E}">
+        <p14:creationId xmlns:p14="http://schemas.microsoft.com/office/powerpoint/2010/main" val="1418804606"/>
+      </p:ext>
+    </p:extLst>
+  </p:cSld>
+  <p:clrMapOvr>
+    <a:masterClrMapping/>
+  </p:clrMapOvr>
+</p:sld>
+</file>
+
+<file path=ppt/slides/slide14.xml><?xml version="1.0" encoding="utf-8"?>
 <p:sld xmlns:a="http://schemas.openxmlformats.org/drawingml/2006/main" xmlns:r="http://schemas.openxmlformats.org/officeDocument/2006/relationships" xmlns:p="http://schemas.openxmlformats.org/presentationml/2006/main">
   <p:cSld>
     <p:spTree>
@@ -7245,11 +7485,7 @@
           <a:p>
             <a:r>
               <a:rPr lang="zh-CN" altLang="en-US" sz="1400" dirty="0"/>
-              <a:t>2. </a:t>
-            </a:r>
-            <a:r>
-              <a:rPr lang="zh-CN" altLang="en-US" sz="1400" dirty="0"/>
-              <a:t>在渲染的时候，我们从camera发射多条光线，对于任意一个pixel，我们知道camera ray的方向，还知道这个pixel的材质和法线，那么就能得到出射光线的cone，我们根据hierarchy的体素信息，把圆锥往前步进，收集所有次级光源对这个方向上的影响。最后渲染到shading point上</a:t>
+              <a:t>2. 在渲染的时候，我们从camera发射多条光线，对于任意一个pixel，我们知道camera ray的方向，还知道这个pixel的材质和法线，那么就能得到出射光线的cone，我们根据hierarchy的体素信息，把圆锥往前步进，收集所有次级光源对这个方向上的影响。最后渲染到shading point上</a:t>
             </a:r>
             <a:r>
               <a:rPr lang="zh-CN" altLang="en-US" sz="1400" dirty="0" smtClean="0"/>
@@ -8139,7 +8375,7 @@
         <p:spPr>
           <a:xfrm>
             <a:off x="933583" y="537130"/>
-            <a:ext cx="2669320" cy="369332"/>
+            <a:ext cx="3188693" cy="369332"/>
           </a:xfrm>
           <a:prstGeom prst="rect">
             <a:avLst/>
@@ -8154,13 +8390,471 @@
           <a:p>
             <a:r>
               <a:rPr lang="en-US" altLang="zh-CN" dirty="0" smtClean="0"/>
-              <a:t>LumenSceneLighting</a:t>
+              <a:t>DeferredShadingRenderer</a:t>
             </a:r>
             <a:r>
               <a:rPr lang="en-US" altLang="zh-CN" dirty="0" smtClean="0"/>
               <a:t>.cpp</a:t>
             </a:r>
             <a:endParaRPr lang="zh-CN" altLang="en-US" dirty="0"/>
+          </a:p>
+        </p:txBody>
+      </p:sp>
+      <p:sp>
+        <p:nvSpPr>
+          <p:cNvPr id="5" name="圆角矩形 4"/>
+          <p:cNvSpPr/>
+          <p:nvPr/>
+        </p:nvSpPr>
+        <p:spPr>
+          <a:xfrm>
+            <a:off x="1042288" y="1310853"/>
+            <a:ext cx="1860772" cy="409242"/>
+          </a:xfrm>
+          <a:prstGeom prst="roundRect">
+            <a:avLst/>
+          </a:prstGeom>
+          <a:solidFill>
+            <a:schemeClr val="accent2">
+              <a:lumMod val="60000"/>
+              <a:lumOff val="40000"/>
+            </a:schemeClr>
+          </a:solidFill>
+        </p:spPr>
+        <p:style>
+          <a:lnRef idx="2">
+            <a:schemeClr val="accent1">
+              <a:shade val="50000"/>
+            </a:schemeClr>
+          </a:lnRef>
+          <a:fillRef idx="1">
+            <a:schemeClr val="accent1"/>
+          </a:fillRef>
+          <a:effectRef idx="0">
+            <a:schemeClr val="accent1"/>
+          </a:effectRef>
+          <a:fontRef idx="minor">
+            <a:schemeClr val="lt1"/>
+          </a:fontRef>
+        </p:style>
+        <p:txBody>
+          <a:bodyPr rtlCol="0" anchor="ctr"/>
+          <a:lstStyle/>
+          <a:p>
+            <a:pPr algn="ctr"/>
+            <a:r>
+              <a:rPr lang="zh-CN" altLang="en-US" sz="1400" dirty="0" smtClean="0">
+                <a:solidFill>
+                  <a:schemeClr val="tx1"/>
+                </a:solidFill>
+              </a:rPr>
+              <a:t>判断</a:t>
+            </a:r>
+            <a:r>
+              <a:rPr lang="en-US" altLang="zh-CN" sz="1400" dirty="0" err="1" smtClean="0">
+                <a:solidFill>
+                  <a:schemeClr val="tx1"/>
+                </a:solidFill>
+              </a:rPr>
+              <a:t>Nanite</a:t>
+            </a:r>
+            <a:endParaRPr lang="zh-CN" altLang="en-US" sz="1400" dirty="0">
+              <a:solidFill>
+                <a:schemeClr val="tx1"/>
+              </a:solidFill>
+            </a:endParaRPr>
+          </a:p>
+        </p:txBody>
+      </p:sp>
+      <p:sp>
+        <p:nvSpPr>
+          <p:cNvPr id="6" name="圆角矩形 5"/>
+          <p:cNvSpPr/>
+          <p:nvPr/>
+        </p:nvSpPr>
+        <p:spPr>
+          <a:xfrm>
+            <a:off x="1042287" y="3822788"/>
+            <a:ext cx="2058999" cy="409242"/>
+          </a:xfrm>
+          <a:prstGeom prst="roundRect">
+            <a:avLst/>
+          </a:prstGeom>
+          <a:solidFill>
+            <a:srgbClr val="9CDEDC"/>
+          </a:solidFill>
+        </p:spPr>
+        <p:style>
+          <a:lnRef idx="2">
+            <a:schemeClr val="accent1">
+              <a:shade val="50000"/>
+            </a:schemeClr>
+          </a:lnRef>
+          <a:fillRef idx="1">
+            <a:schemeClr val="accent1"/>
+          </a:fillRef>
+          <a:effectRef idx="0">
+            <a:schemeClr val="accent1"/>
+          </a:effectRef>
+          <a:fontRef idx="minor">
+            <a:schemeClr val="lt1"/>
+          </a:fontRef>
+        </p:style>
+        <p:txBody>
+          <a:bodyPr rtlCol="0" anchor="ctr"/>
+          <a:lstStyle/>
+          <a:p>
+            <a:pPr algn="ctr"/>
+            <a:r>
+              <a:rPr lang="zh-CN" altLang="en-US" sz="1400" dirty="0" smtClean="0">
+                <a:solidFill>
+                  <a:schemeClr val="tx1"/>
+                </a:solidFill>
+              </a:rPr>
+              <a:t>更新</a:t>
+            </a:r>
+            <a:r>
+              <a:rPr lang="en-US" altLang="zh-CN" sz="1400" dirty="0" smtClean="0">
+                <a:solidFill>
+                  <a:schemeClr val="tx1"/>
+                </a:solidFill>
+              </a:rPr>
+              <a:t>Lumen Scene</a:t>
+            </a:r>
+            <a:endParaRPr lang="zh-CN" altLang="en-US" sz="1400" dirty="0">
+              <a:solidFill>
+                <a:schemeClr val="tx1"/>
+              </a:solidFill>
+            </a:endParaRPr>
+          </a:p>
+        </p:txBody>
+      </p:sp>
+      <p:sp>
+        <p:nvSpPr>
+          <p:cNvPr id="7" name="圆角矩形 6"/>
+          <p:cNvSpPr/>
+          <p:nvPr/>
+        </p:nvSpPr>
+        <p:spPr>
+          <a:xfrm>
+            <a:off x="3803604" y="3822788"/>
+            <a:ext cx="2373392" cy="409242"/>
+          </a:xfrm>
+          <a:prstGeom prst="roundRect">
+            <a:avLst/>
+          </a:prstGeom>
+          <a:solidFill>
+            <a:srgbClr val="9CDEDC"/>
+          </a:solidFill>
+        </p:spPr>
+        <p:style>
+          <a:lnRef idx="2">
+            <a:schemeClr val="accent1">
+              <a:shade val="50000"/>
+            </a:schemeClr>
+          </a:lnRef>
+          <a:fillRef idx="1">
+            <a:schemeClr val="accent1"/>
+          </a:fillRef>
+          <a:effectRef idx="0">
+            <a:schemeClr val="accent1"/>
+          </a:effectRef>
+          <a:fontRef idx="minor">
+            <a:schemeClr val="lt1"/>
+          </a:fontRef>
+        </p:style>
+        <p:txBody>
+          <a:bodyPr rtlCol="0" anchor="ctr"/>
+          <a:lstStyle/>
+          <a:p>
+            <a:pPr algn="ctr"/>
+            <a:r>
+              <a:rPr lang="en-US" altLang="zh-CN" sz="1400" dirty="0" err="1">
+                <a:solidFill>
+                  <a:schemeClr val="tx1"/>
+                </a:solidFill>
+              </a:rPr>
+              <a:t>RenderLumenSceneLighting</a:t>
+            </a:r>
+            <a:endParaRPr lang="zh-CN" altLang="en-US" sz="1400" dirty="0">
+              <a:solidFill>
+                <a:schemeClr val="tx1"/>
+              </a:solidFill>
+            </a:endParaRPr>
+          </a:p>
+        </p:txBody>
+      </p:sp>
+      <p:sp>
+        <p:nvSpPr>
+          <p:cNvPr id="3" name="矩形 2"/>
+          <p:cNvSpPr/>
+          <p:nvPr/>
+        </p:nvSpPr>
+        <p:spPr>
+          <a:xfrm>
+            <a:off x="1420005" y="4232030"/>
+            <a:ext cx="1303562" cy="276999"/>
+          </a:xfrm>
+          <a:prstGeom prst="rect">
+            <a:avLst/>
+          </a:prstGeom>
+        </p:spPr>
+        <p:txBody>
+          <a:bodyPr wrap="none">
+            <a:spAutoFit/>
+          </a:bodyPr>
+          <a:lstStyle/>
+          <a:p>
+            <a:r>
+              <a:rPr lang="en-US" altLang="zh-CN" sz="1200" dirty="0"/>
+              <a:t>LumenScene.cpp</a:t>
+            </a:r>
+            <a:endParaRPr lang="zh-CN" altLang="en-US" sz="1200" dirty="0"/>
+          </a:p>
+        </p:txBody>
+      </p:sp>
+      <p:sp>
+        <p:nvSpPr>
+          <p:cNvPr id="8" name="矩形 7"/>
+          <p:cNvSpPr/>
+          <p:nvPr/>
+        </p:nvSpPr>
+        <p:spPr>
+          <a:xfrm>
+            <a:off x="4070817" y="4232030"/>
+            <a:ext cx="1838965" cy="276999"/>
+          </a:xfrm>
+          <a:prstGeom prst="rect">
+            <a:avLst/>
+          </a:prstGeom>
+        </p:spPr>
+        <p:txBody>
+          <a:bodyPr wrap="none">
+            <a:spAutoFit/>
+          </a:bodyPr>
+          <a:lstStyle/>
+          <a:p>
+            <a:r>
+              <a:rPr lang="en-US" altLang="zh-CN" sz="1200" dirty="0" smtClean="0"/>
+              <a:t>LumenSceneLighting.cpp</a:t>
+            </a:r>
+            <a:endParaRPr lang="zh-CN" altLang="en-US" sz="1200" dirty="0"/>
+          </a:p>
+        </p:txBody>
+      </p:sp>
+      <p:sp>
+        <p:nvSpPr>
+          <p:cNvPr id="9" name="圆角矩形 8"/>
+          <p:cNvSpPr/>
+          <p:nvPr/>
+        </p:nvSpPr>
+        <p:spPr>
+          <a:xfrm>
+            <a:off x="1042288" y="2160004"/>
+            <a:ext cx="1860772" cy="409242"/>
+          </a:xfrm>
+          <a:prstGeom prst="roundRect">
+            <a:avLst/>
+          </a:prstGeom>
+          <a:solidFill>
+            <a:schemeClr val="accent2">
+              <a:lumMod val="60000"/>
+              <a:lumOff val="40000"/>
+            </a:schemeClr>
+          </a:solidFill>
+        </p:spPr>
+        <p:style>
+          <a:lnRef idx="2">
+            <a:schemeClr val="accent1">
+              <a:shade val="50000"/>
+            </a:schemeClr>
+          </a:lnRef>
+          <a:fillRef idx="1">
+            <a:schemeClr val="accent1"/>
+          </a:fillRef>
+          <a:effectRef idx="0">
+            <a:schemeClr val="accent1"/>
+          </a:effectRef>
+          <a:fontRef idx="minor">
+            <a:schemeClr val="lt1"/>
+          </a:fontRef>
+        </p:style>
+        <p:txBody>
+          <a:bodyPr rtlCol="0" anchor="ctr"/>
+          <a:lstStyle/>
+          <a:p>
+            <a:pPr algn="ctr"/>
+            <a:r>
+              <a:rPr lang="zh-CN" altLang="en-US" sz="1400" dirty="0" smtClean="0">
+                <a:solidFill>
+                  <a:schemeClr val="tx1"/>
+                </a:solidFill>
+              </a:rPr>
+              <a:t>判断</a:t>
+            </a:r>
+            <a:r>
+              <a:rPr lang="en-US" altLang="zh-CN" sz="1400" dirty="0" err="1" smtClean="0">
+                <a:solidFill>
+                  <a:schemeClr val="tx1"/>
+                </a:solidFill>
+              </a:rPr>
+              <a:t>Nanite</a:t>
+            </a:r>
+            <a:endParaRPr lang="zh-CN" altLang="en-US" sz="1400" dirty="0">
+              <a:solidFill>
+                <a:schemeClr val="tx1"/>
+              </a:solidFill>
+            </a:endParaRPr>
+          </a:p>
+        </p:txBody>
+      </p:sp>
+      <p:sp>
+        <p:nvSpPr>
+          <p:cNvPr id="10" name="圆角矩形 9"/>
+          <p:cNvSpPr/>
+          <p:nvPr/>
+        </p:nvSpPr>
+        <p:spPr>
+          <a:xfrm>
+            <a:off x="1042288" y="3009155"/>
+            <a:ext cx="1860772" cy="409242"/>
+          </a:xfrm>
+          <a:prstGeom prst="roundRect">
+            <a:avLst/>
+          </a:prstGeom>
+          <a:solidFill>
+            <a:schemeClr val="accent2">
+              <a:lumMod val="60000"/>
+              <a:lumOff val="40000"/>
+            </a:schemeClr>
+          </a:solidFill>
+        </p:spPr>
+        <p:style>
+          <a:lnRef idx="2">
+            <a:schemeClr val="accent1">
+              <a:shade val="50000"/>
+            </a:schemeClr>
+          </a:lnRef>
+          <a:fillRef idx="1">
+            <a:schemeClr val="accent1"/>
+          </a:fillRef>
+          <a:effectRef idx="0">
+            <a:schemeClr val="accent1"/>
+          </a:effectRef>
+          <a:fontRef idx="minor">
+            <a:schemeClr val="lt1"/>
+          </a:fontRef>
+        </p:style>
+        <p:txBody>
+          <a:bodyPr rtlCol="0" anchor="ctr"/>
+          <a:lstStyle/>
+          <a:p>
+            <a:pPr algn="ctr"/>
+            <a:r>
+              <a:rPr lang="zh-CN" altLang="en-US" sz="1400" dirty="0" smtClean="0">
+                <a:solidFill>
+                  <a:schemeClr val="tx1"/>
+                </a:solidFill>
+              </a:rPr>
+              <a:t>判断</a:t>
+            </a:r>
+            <a:r>
+              <a:rPr lang="en-US" altLang="zh-CN" sz="1400" dirty="0" err="1" smtClean="0">
+                <a:solidFill>
+                  <a:schemeClr val="tx1"/>
+                </a:solidFill>
+              </a:rPr>
+              <a:t>Nanite</a:t>
+            </a:r>
+            <a:endParaRPr lang="zh-CN" altLang="en-US" sz="1400" dirty="0">
+              <a:solidFill>
+                <a:schemeClr val="tx1"/>
+              </a:solidFill>
+            </a:endParaRPr>
+          </a:p>
+        </p:txBody>
+      </p:sp>
+      <p:sp>
+        <p:nvSpPr>
+          <p:cNvPr id="11" name="圆角矩形 10"/>
+          <p:cNvSpPr/>
+          <p:nvPr/>
+        </p:nvSpPr>
+        <p:spPr>
+          <a:xfrm>
+            <a:off x="6879313" y="3822788"/>
+            <a:ext cx="2373392" cy="409242"/>
+          </a:xfrm>
+          <a:prstGeom prst="roundRect">
+            <a:avLst/>
+          </a:prstGeom>
+          <a:solidFill>
+            <a:srgbClr val="9CDEDC"/>
+          </a:solidFill>
+        </p:spPr>
+        <p:style>
+          <a:lnRef idx="2">
+            <a:schemeClr val="accent1">
+              <a:shade val="50000"/>
+            </a:schemeClr>
+          </a:lnRef>
+          <a:fillRef idx="1">
+            <a:schemeClr val="accent1"/>
+          </a:fillRef>
+          <a:effectRef idx="0">
+            <a:schemeClr val="accent1"/>
+          </a:effectRef>
+          <a:fontRef idx="minor">
+            <a:schemeClr val="lt1"/>
+          </a:fontRef>
+        </p:style>
+        <p:txBody>
+          <a:bodyPr rtlCol="0" anchor="ctr"/>
+          <a:lstStyle/>
+          <a:p>
+            <a:pPr algn="ctr"/>
+            <a:r>
+              <a:rPr lang="zh-CN" altLang="en-US" sz="1400" dirty="0" smtClean="0">
+                <a:solidFill>
+                  <a:schemeClr val="tx1"/>
+                </a:solidFill>
+              </a:rPr>
+              <a:t>绘制粗糙表面的间接光</a:t>
+            </a:r>
+            <a:endParaRPr lang="zh-CN" altLang="en-US" sz="1400" dirty="0">
+              <a:solidFill>
+                <a:schemeClr val="tx1"/>
+              </a:solidFill>
+            </a:endParaRPr>
+          </a:p>
+        </p:txBody>
+      </p:sp>
+      <p:sp>
+        <p:nvSpPr>
+          <p:cNvPr id="12" name="矩形 11"/>
+          <p:cNvSpPr/>
+          <p:nvPr/>
+        </p:nvSpPr>
+        <p:spPr>
+          <a:xfrm>
+            <a:off x="7083207" y="4279941"/>
+            <a:ext cx="1965603" cy="276999"/>
+          </a:xfrm>
+          <a:prstGeom prst="rect">
+            <a:avLst/>
+          </a:prstGeom>
+        </p:spPr>
+        <p:txBody>
+          <a:bodyPr wrap="none">
+            <a:spAutoFit/>
+          </a:bodyPr>
+          <a:lstStyle/>
+          <a:p>
+            <a:r>
+              <a:rPr lang="en-US" altLang="zh-CN" sz="1200" dirty="0" smtClean="0"/>
+              <a:t>IndirectLightRendering.cpp</a:t>
+            </a:r>
+            <a:endParaRPr lang="zh-CN" altLang="en-US" sz="1200" dirty="0"/>
           </a:p>
         </p:txBody>
       </p:sp>
@@ -8203,7 +8897,7 @@
         <p:spPr>
           <a:xfrm>
             <a:off x="933583" y="537130"/>
-            <a:ext cx="2784737" cy="369332"/>
+            <a:ext cx="1866217" cy="369332"/>
           </a:xfrm>
           <a:prstGeom prst="rect">
             <a:avLst/>
@@ -8218,7 +8912,7 @@
           <a:p>
             <a:r>
               <a:rPr lang="en-US" altLang="zh-CN" dirty="0" smtClean="0"/>
-              <a:t>LumenRadianceCache.cpp</a:t>
+              <a:t>LumenScene.cpp</a:t>
             </a:r>
             <a:endParaRPr lang="zh-CN" altLang="en-US" dirty="0"/>
           </a:p>
@@ -8227,7 +8921,7 @@
     </p:spTree>
     <p:extLst>
       <p:ext uri="{BB962C8B-B14F-4D97-AF65-F5344CB8AC3E}">
-        <p14:creationId xmlns:p14="http://schemas.microsoft.com/office/powerpoint/2010/main" val="3265358579"/>
+        <p14:creationId xmlns:p14="http://schemas.microsoft.com/office/powerpoint/2010/main" val="2664742599"/>
       </p:ext>
     </p:extLst>
   </p:cSld>
@@ -8263,7 +8957,7 @@
         <p:spPr>
           <a:xfrm>
             <a:off x="933583" y="537130"/>
-            <a:ext cx="3392275" cy="369332"/>
+            <a:ext cx="2669320" cy="369332"/>
           </a:xfrm>
           <a:prstGeom prst="rect">
             <a:avLst/>
@@ -8278,16 +8972,658 @@
           <a:p>
             <a:r>
               <a:rPr lang="en-US" altLang="zh-CN" dirty="0" smtClean="0"/>
-              <a:t>LumenIrradianceFieldGather.cpp</a:t>
+              <a:t>LumenSceneLighting.cpp</a:t>
             </a:r>
             <a:endParaRPr lang="zh-CN" altLang="en-US" dirty="0"/>
+          </a:p>
+        </p:txBody>
+      </p:sp>
+      <p:sp>
+        <p:nvSpPr>
+          <p:cNvPr id="3" name="圆角矩形 2"/>
+          <p:cNvSpPr/>
+          <p:nvPr/>
+        </p:nvSpPr>
+        <p:spPr>
+          <a:xfrm>
+            <a:off x="1042288" y="1310853"/>
+            <a:ext cx="1860772" cy="409242"/>
+          </a:xfrm>
+          <a:prstGeom prst="roundRect">
+            <a:avLst/>
+          </a:prstGeom>
+          <a:solidFill>
+            <a:schemeClr val="accent2">
+              <a:lumMod val="60000"/>
+              <a:lumOff val="40000"/>
+            </a:schemeClr>
+          </a:solidFill>
+        </p:spPr>
+        <p:style>
+          <a:lnRef idx="2">
+            <a:schemeClr val="accent1">
+              <a:shade val="50000"/>
+            </a:schemeClr>
+          </a:lnRef>
+          <a:fillRef idx="1">
+            <a:schemeClr val="accent1"/>
+          </a:fillRef>
+          <a:effectRef idx="0">
+            <a:schemeClr val="accent1"/>
+          </a:effectRef>
+          <a:fontRef idx="minor">
+            <a:schemeClr val="lt1"/>
+          </a:fontRef>
+        </p:style>
+        <p:txBody>
+          <a:bodyPr rtlCol="0" anchor="ctr"/>
+          <a:lstStyle/>
+          <a:p>
+            <a:pPr algn="ctr"/>
+            <a:r>
+              <a:rPr lang="en-US" altLang="zh-CN" sz="1400" dirty="0" smtClean="0">
+                <a:solidFill>
+                  <a:schemeClr val="tx1"/>
+                </a:solidFill>
+              </a:rPr>
+              <a:t>Cull Cards</a:t>
+            </a:r>
+            <a:endParaRPr lang="zh-CN" altLang="en-US" sz="1400" dirty="0">
+              <a:solidFill>
+                <a:schemeClr val="tx1"/>
+              </a:solidFill>
+            </a:endParaRPr>
+          </a:p>
+        </p:txBody>
+      </p:sp>
+      <p:sp>
+        <p:nvSpPr>
+          <p:cNvPr id="5" name="圆角矩形 4"/>
+          <p:cNvSpPr/>
+          <p:nvPr/>
+        </p:nvSpPr>
+        <p:spPr>
+          <a:xfrm>
+            <a:off x="1042288" y="2124486"/>
+            <a:ext cx="1860772" cy="409242"/>
+          </a:xfrm>
+          <a:prstGeom prst="roundRect">
+            <a:avLst/>
+          </a:prstGeom>
+          <a:solidFill>
+            <a:schemeClr val="accent2">
+              <a:lumMod val="60000"/>
+              <a:lumOff val="40000"/>
+            </a:schemeClr>
+          </a:solidFill>
+        </p:spPr>
+        <p:style>
+          <a:lnRef idx="2">
+            <a:schemeClr val="accent1">
+              <a:shade val="50000"/>
+            </a:schemeClr>
+          </a:lnRef>
+          <a:fillRef idx="1">
+            <a:schemeClr val="accent1"/>
+          </a:fillRef>
+          <a:effectRef idx="0">
+            <a:schemeClr val="accent1"/>
+          </a:effectRef>
+          <a:fontRef idx="minor">
+            <a:schemeClr val="lt1"/>
+          </a:fontRef>
+        </p:style>
+        <p:txBody>
+          <a:bodyPr rtlCol="0" anchor="ctr"/>
+          <a:lstStyle/>
+          <a:p>
+            <a:pPr algn="ctr"/>
+            <a:r>
+              <a:rPr lang="zh-CN" altLang="en-US" sz="1400" dirty="0" smtClean="0">
+                <a:solidFill>
+                  <a:schemeClr val="tx1"/>
+                </a:solidFill>
+              </a:rPr>
+              <a:t>把</a:t>
+            </a:r>
+            <a:r>
+              <a:rPr lang="en-US" altLang="zh-CN" sz="1400" dirty="0" err="1" smtClean="0">
+                <a:solidFill>
+                  <a:schemeClr val="tx1"/>
+                </a:solidFill>
+              </a:rPr>
+              <a:t>LumenScene</a:t>
+            </a:r>
+            <a:r>
+              <a:rPr lang="zh-CN" altLang="en-US" sz="1400" dirty="0" smtClean="0">
+                <a:solidFill>
+                  <a:schemeClr val="tx1"/>
+                </a:solidFill>
+              </a:rPr>
+              <a:t>的</a:t>
+            </a:r>
+            <a:r>
+              <a:rPr lang="en-US" altLang="zh-CN" sz="1400" dirty="0" smtClean="0">
+                <a:solidFill>
+                  <a:schemeClr val="tx1"/>
+                </a:solidFill>
+              </a:rPr>
+              <a:t>light Combine</a:t>
+            </a:r>
+            <a:r>
+              <a:rPr lang="zh-CN" altLang="en-US" sz="1400" dirty="0" smtClean="0">
+                <a:solidFill>
+                  <a:schemeClr val="tx1"/>
+                </a:solidFill>
+              </a:rPr>
+              <a:t>起来</a:t>
+            </a:r>
+            <a:endParaRPr lang="zh-CN" altLang="en-US" sz="1400" dirty="0">
+              <a:solidFill>
+                <a:schemeClr val="tx1"/>
+              </a:solidFill>
+            </a:endParaRPr>
+          </a:p>
+        </p:txBody>
+      </p:sp>
+      <p:sp>
+        <p:nvSpPr>
+          <p:cNvPr id="6" name="圆角矩形 5"/>
+          <p:cNvSpPr/>
+          <p:nvPr/>
+        </p:nvSpPr>
+        <p:spPr>
+          <a:xfrm>
+            <a:off x="1042288" y="3044214"/>
+            <a:ext cx="1860772" cy="409242"/>
+          </a:xfrm>
+          <a:prstGeom prst="roundRect">
+            <a:avLst/>
+          </a:prstGeom>
+          <a:solidFill>
+            <a:schemeClr val="accent2">
+              <a:lumMod val="60000"/>
+              <a:lumOff val="40000"/>
+            </a:schemeClr>
+          </a:solidFill>
+        </p:spPr>
+        <p:style>
+          <a:lnRef idx="2">
+            <a:schemeClr val="accent1">
+              <a:shade val="50000"/>
+            </a:schemeClr>
+          </a:lnRef>
+          <a:fillRef idx="1">
+            <a:schemeClr val="accent1"/>
+          </a:fillRef>
+          <a:effectRef idx="0">
+            <a:schemeClr val="accent1"/>
+          </a:effectRef>
+          <a:fontRef idx="minor">
+            <a:schemeClr val="lt1"/>
+          </a:fontRef>
+        </p:style>
+        <p:txBody>
+          <a:bodyPr rtlCol="0" anchor="ctr"/>
+          <a:lstStyle/>
+          <a:p>
+            <a:pPr algn="ctr"/>
+            <a:r>
+              <a:rPr lang="zh-CN" altLang="en-US" sz="1400" dirty="0" smtClean="0">
+                <a:solidFill>
+                  <a:schemeClr val="tx1"/>
+                </a:solidFill>
+              </a:rPr>
+              <a:t>间接光是否使用</a:t>
+            </a:r>
+            <a:r>
+              <a:rPr lang="en-US" altLang="zh-CN" sz="1400" dirty="0" err="1">
+                <a:solidFill>
+                  <a:schemeClr val="tx1"/>
+                </a:solidFill>
+              </a:rPr>
+              <a:t>IrradianceAtlas</a:t>
+            </a:r>
+            <a:endParaRPr lang="zh-CN" altLang="en-US" sz="1400" dirty="0">
+              <a:solidFill>
+                <a:schemeClr val="tx1"/>
+              </a:solidFill>
+            </a:endParaRPr>
+          </a:p>
+        </p:txBody>
+      </p:sp>
+      <p:sp>
+        <p:nvSpPr>
+          <p:cNvPr id="7" name="圆角矩形 6"/>
+          <p:cNvSpPr/>
+          <p:nvPr/>
+        </p:nvSpPr>
+        <p:spPr>
+          <a:xfrm>
+            <a:off x="1042288" y="3963942"/>
+            <a:ext cx="1860772" cy="409242"/>
+          </a:xfrm>
+          <a:prstGeom prst="roundRect">
+            <a:avLst/>
+          </a:prstGeom>
+          <a:solidFill>
+            <a:schemeClr val="accent2">
+              <a:lumMod val="60000"/>
+              <a:lumOff val="40000"/>
+            </a:schemeClr>
+          </a:solidFill>
+        </p:spPr>
+        <p:style>
+          <a:lnRef idx="2">
+            <a:schemeClr val="accent1">
+              <a:shade val="50000"/>
+            </a:schemeClr>
+          </a:lnRef>
+          <a:fillRef idx="1">
+            <a:schemeClr val="accent1"/>
+          </a:fillRef>
+          <a:effectRef idx="0">
+            <a:schemeClr val="accent1"/>
+          </a:effectRef>
+          <a:fontRef idx="minor">
+            <a:schemeClr val="lt1"/>
+          </a:fontRef>
+        </p:style>
+        <p:txBody>
+          <a:bodyPr rtlCol="0" anchor="ctr"/>
+          <a:lstStyle/>
+          <a:p>
+            <a:pPr algn="ctr"/>
+            <a:r>
+              <a:rPr lang="zh-CN" altLang="en-US" sz="1400" dirty="0" smtClean="0">
+                <a:solidFill>
+                  <a:schemeClr val="tx1"/>
+                </a:solidFill>
+              </a:rPr>
+              <a:t>绘制直接光照</a:t>
+            </a:r>
+            <a:endParaRPr lang="zh-CN" altLang="en-US" sz="1400" dirty="0">
+              <a:solidFill>
+                <a:schemeClr val="tx1"/>
+              </a:solidFill>
+            </a:endParaRPr>
+          </a:p>
+        </p:txBody>
+      </p:sp>
+      <p:sp>
+        <p:nvSpPr>
+          <p:cNvPr id="8" name="圆角矩形 7"/>
+          <p:cNvSpPr/>
+          <p:nvPr/>
+        </p:nvSpPr>
+        <p:spPr>
+          <a:xfrm>
+            <a:off x="1042288" y="4883670"/>
+            <a:ext cx="1860772" cy="409242"/>
+          </a:xfrm>
+          <a:prstGeom prst="roundRect">
+            <a:avLst/>
+          </a:prstGeom>
+          <a:solidFill>
+            <a:schemeClr val="accent2">
+              <a:lumMod val="60000"/>
+              <a:lumOff val="40000"/>
+            </a:schemeClr>
+          </a:solidFill>
+        </p:spPr>
+        <p:style>
+          <a:lnRef idx="2">
+            <a:schemeClr val="accent1">
+              <a:shade val="50000"/>
+            </a:schemeClr>
+          </a:lnRef>
+          <a:fillRef idx="1">
+            <a:schemeClr val="accent1"/>
+          </a:fillRef>
+          <a:effectRef idx="0">
+            <a:schemeClr val="accent1"/>
+          </a:effectRef>
+          <a:fontRef idx="minor">
+            <a:schemeClr val="lt1"/>
+          </a:fontRef>
+        </p:style>
+        <p:txBody>
+          <a:bodyPr rtlCol="0" anchor="ctr"/>
+          <a:lstStyle/>
+          <a:p>
+            <a:pPr algn="ctr"/>
+            <a:r>
+              <a:rPr lang="zh-CN" altLang="en-US" sz="1400" dirty="0" smtClean="0">
+                <a:solidFill>
+                  <a:schemeClr val="tx1"/>
+                </a:solidFill>
+              </a:rPr>
+              <a:t>直接光</a:t>
+            </a:r>
+            <a:r>
+              <a:rPr lang="zh-CN" altLang="en-US" sz="1400" dirty="0">
+                <a:solidFill>
+                  <a:schemeClr val="tx1"/>
+                </a:solidFill>
+              </a:rPr>
+              <a:t>是否使用</a:t>
+            </a:r>
+            <a:r>
+              <a:rPr lang="en-US" altLang="zh-CN" sz="1400" dirty="0" err="1">
+                <a:solidFill>
+                  <a:schemeClr val="tx1"/>
+                </a:solidFill>
+              </a:rPr>
+              <a:t>IrradianceAtlas</a:t>
+            </a:r>
+            <a:endParaRPr lang="zh-CN" altLang="en-US" sz="1400" dirty="0">
+              <a:solidFill>
+                <a:schemeClr val="tx1"/>
+              </a:solidFill>
+            </a:endParaRPr>
+          </a:p>
+        </p:txBody>
+      </p:sp>
+      <p:sp>
+        <p:nvSpPr>
+          <p:cNvPr id="9" name="圆角矩形 8"/>
+          <p:cNvSpPr/>
+          <p:nvPr/>
+        </p:nvSpPr>
+        <p:spPr>
+          <a:xfrm>
+            <a:off x="1042288" y="5956864"/>
+            <a:ext cx="1860772" cy="409242"/>
+          </a:xfrm>
+          <a:prstGeom prst="roundRect">
+            <a:avLst/>
+          </a:prstGeom>
+          <a:solidFill>
+            <a:schemeClr val="accent2">
+              <a:lumMod val="60000"/>
+              <a:lumOff val="40000"/>
+            </a:schemeClr>
+          </a:solidFill>
+        </p:spPr>
+        <p:style>
+          <a:lnRef idx="2">
+            <a:schemeClr val="accent1">
+              <a:shade val="50000"/>
+            </a:schemeClr>
+          </a:lnRef>
+          <a:fillRef idx="1">
+            <a:schemeClr val="accent1"/>
+          </a:fillRef>
+          <a:effectRef idx="0">
+            <a:schemeClr val="accent1"/>
+          </a:effectRef>
+          <a:fontRef idx="minor">
+            <a:schemeClr val="lt1"/>
+          </a:fontRef>
+        </p:style>
+        <p:txBody>
+          <a:bodyPr rtlCol="0" anchor="ctr"/>
+          <a:lstStyle/>
+          <a:p>
+            <a:pPr algn="ctr"/>
+            <a:r>
+              <a:rPr lang="zh-CN" altLang="en-US" sz="1400" dirty="0" smtClean="0">
+                <a:solidFill>
+                  <a:schemeClr val="tx1"/>
+                </a:solidFill>
+              </a:rPr>
+              <a:t>应用</a:t>
+            </a:r>
+            <a:r>
+              <a:rPr lang="en-US" altLang="zh-CN" sz="1400" dirty="0" err="1" smtClean="0">
+                <a:solidFill>
+                  <a:schemeClr val="tx1"/>
+                </a:solidFill>
+              </a:rPr>
+              <a:t>LumenCard</a:t>
+            </a:r>
+            <a:r>
+              <a:rPr lang="zh-CN" altLang="en-US" sz="1400" dirty="0" smtClean="0">
+                <a:solidFill>
+                  <a:schemeClr val="tx1"/>
+                </a:solidFill>
+              </a:rPr>
+              <a:t>的</a:t>
+            </a:r>
+            <a:r>
+              <a:rPr lang="en-US" altLang="zh-CN" sz="1400" dirty="0" smtClean="0">
+                <a:solidFill>
+                  <a:schemeClr val="tx1"/>
+                </a:solidFill>
+              </a:rPr>
+              <a:t>Albedo</a:t>
+            </a:r>
+            <a:endParaRPr lang="zh-CN" altLang="en-US" sz="1400" dirty="0">
+              <a:solidFill>
+                <a:schemeClr val="tx1"/>
+              </a:solidFill>
+            </a:endParaRPr>
+          </a:p>
+        </p:txBody>
+      </p:sp>
+      <p:sp>
+        <p:nvSpPr>
+          <p:cNvPr id="10" name="圆角矩形 9"/>
+          <p:cNvSpPr/>
+          <p:nvPr/>
+        </p:nvSpPr>
+        <p:spPr>
+          <a:xfrm>
+            <a:off x="5146431" y="1310853"/>
+            <a:ext cx="1860772" cy="409242"/>
+          </a:xfrm>
+          <a:prstGeom prst="roundRect">
+            <a:avLst/>
+          </a:prstGeom>
+          <a:solidFill>
+            <a:schemeClr val="accent2">
+              <a:lumMod val="60000"/>
+              <a:lumOff val="40000"/>
+            </a:schemeClr>
+          </a:solidFill>
+        </p:spPr>
+        <p:style>
+          <a:lnRef idx="2">
+            <a:schemeClr val="accent1">
+              <a:shade val="50000"/>
+            </a:schemeClr>
+          </a:lnRef>
+          <a:fillRef idx="1">
+            <a:schemeClr val="accent1"/>
+          </a:fillRef>
+          <a:effectRef idx="0">
+            <a:schemeClr val="accent1"/>
+          </a:effectRef>
+          <a:fontRef idx="minor">
+            <a:schemeClr val="lt1"/>
+          </a:fontRef>
+        </p:style>
+        <p:txBody>
+          <a:bodyPr rtlCol="0" anchor="ctr"/>
+          <a:lstStyle/>
+          <a:p>
+            <a:pPr algn="ctr"/>
+            <a:r>
+              <a:rPr lang="en-US" altLang="zh-CN" sz="1400" dirty="0" err="1" smtClean="0">
+                <a:solidFill>
+                  <a:schemeClr val="tx1"/>
+                </a:solidFill>
+              </a:rPr>
+              <a:t>Prefilter</a:t>
+            </a:r>
+            <a:r>
+              <a:rPr lang="en-US" altLang="zh-CN" sz="1400" dirty="0" smtClean="0">
+                <a:solidFill>
+                  <a:schemeClr val="tx1"/>
+                </a:solidFill>
+              </a:rPr>
+              <a:t> </a:t>
+            </a:r>
+            <a:r>
+              <a:rPr lang="en-US" altLang="zh-CN" sz="1400" dirty="0" err="1" smtClean="0">
+                <a:solidFill>
+                  <a:schemeClr val="tx1"/>
+                </a:solidFill>
+              </a:rPr>
+              <a:t>lumenScene</a:t>
+            </a:r>
+            <a:r>
+              <a:rPr lang="zh-CN" altLang="en-US" sz="1400" dirty="0" smtClean="0">
+                <a:solidFill>
+                  <a:schemeClr val="tx1"/>
+                </a:solidFill>
+              </a:rPr>
+              <a:t>的光照</a:t>
+            </a:r>
+            <a:endParaRPr lang="zh-CN" altLang="en-US" sz="1400" dirty="0">
+              <a:solidFill>
+                <a:schemeClr val="tx1"/>
+              </a:solidFill>
+            </a:endParaRPr>
+          </a:p>
+        </p:txBody>
+      </p:sp>
+      <p:sp>
+        <p:nvSpPr>
+          <p:cNvPr id="11" name="圆角矩形 10"/>
+          <p:cNvSpPr/>
+          <p:nvPr/>
+        </p:nvSpPr>
+        <p:spPr>
+          <a:xfrm>
+            <a:off x="5146431" y="2124486"/>
+            <a:ext cx="1860772" cy="409242"/>
+          </a:xfrm>
+          <a:prstGeom prst="roundRect">
+            <a:avLst/>
+          </a:prstGeom>
+          <a:solidFill>
+            <a:schemeClr val="accent2">
+              <a:lumMod val="60000"/>
+              <a:lumOff val="40000"/>
+            </a:schemeClr>
+          </a:solidFill>
+        </p:spPr>
+        <p:style>
+          <a:lnRef idx="2">
+            <a:schemeClr val="accent1">
+              <a:shade val="50000"/>
+            </a:schemeClr>
+          </a:lnRef>
+          <a:fillRef idx="1">
+            <a:schemeClr val="accent1"/>
+          </a:fillRef>
+          <a:effectRef idx="0">
+            <a:schemeClr val="accent1"/>
+          </a:effectRef>
+          <a:fontRef idx="minor">
+            <a:schemeClr val="lt1"/>
+          </a:fontRef>
+        </p:style>
+        <p:txBody>
+          <a:bodyPr rtlCol="0" anchor="ctr"/>
+          <a:lstStyle/>
+          <a:p>
+            <a:pPr algn="ctr"/>
+            <a:r>
+              <a:rPr lang="zh-CN" altLang="en-US" sz="1400" dirty="0" smtClean="0">
+                <a:solidFill>
+                  <a:schemeClr val="tx1"/>
+                </a:solidFill>
+              </a:rPr>
+              <a:t>计算</a:t>
+            </a:r>
+            <a:r>
+              <a:rPr lang="en-US" altLang="zh-CN" sz="1400" dirty="0" err="1" smtClean="0">
+                <a:solidFill>
+                  <a:schemeClr val="tx1"/>
+                </a:solidFill>
+              </a:rPr>
+              <a:t>VoxelLighting</a:t>
+            </a:r>
+            <a:endParaRPr lang="zh-CN" altLang="en-US" sz="1400" dirty="0">
+              <a:solidFill>
+                <a:schemeClr val="tx1"/>
+              </a:solidFill>
+            </a:endParaRPr>
+          </a:p>
+        </p:txBody>
+      </p:sp>
+      <p:sp>
+        <p:nvSpPr>
+          <p:cNvPr id="12" name="圆角矩形 11"/>
+          <p:cNvSpPr/>
+          <p:nvPr/>
+        </p:nvSpPr>
+        <p:spPr>
+          <a:xfrm>
+            <a:off x="5146431" y="3044214"/>
+            <a:ext cx="1860772" cy="409242"/>
+          </a:xfrm>
+          <a:prstGeom prst="roundRect">
+            <a:avLst/>
+          </a:prstGeom>
+          <a:solidFill>
+            <a:schemeClr val="accent2">
+              <a:lumMod val="60000"/>
+              <a:lumOff val="40000"/>
+            </a:schemeClr>
+          </a:solidFill>
+        </p:spPr>
+        <p:style>
+          <a:lnRef idx="2">
+            <a:schemeClr val="accent1">
+              <a:shade val="50000"/>
+            </a:schemeClr>
+          </a:lnRef>
+          <a:fillRef idx="1">
+            <a:schemeClr val="accent1"/>
+          </a:fillRef>
+          <a:effectRef idx="0">
+            <a:schemeClr val="accent1"/>
+          </a:effectRef>
+          <a:fontRef idx="minor">
+            <a:schemeClr val="lt1"/>
+          </a:fontRef>
+        </p:style>
+        <p:txBody>
+          <a:bodyPr rtlCol="0" anchor="ctr"/>
+          <a:lstStyle/>
+          <a:p>
+            <a:pPr algn="ctr"/>
+            <a:r>
+              <a:rPr lang="zh-CN" altLang="en-US" sz="1400" dirty="0" smtClean="0">
+                <a:solidFill>
+                  <a:schemeClr val="tx1"/>
+                </a:solidFill>
+              </a:rPr>
+              <a:t>计算半透明的</a:t>
+            </a:r>
+            <a:r>
+              <a:rPr lang="en-US" altLang="zh-CN" sz="1400" dirty="0" smtClean="0">
+                <a:solidFill>
+                  <a:schemeClr val="tx1"/>
+                </a:solidFill>
+              </a:rPr>
+              <a:t>GI Volume</a:t>
+            </a:r>
+            <a:endParaRPr lang="zh-CN" altLang="en-US" sz="1400" dirty="0">
+              <a:solidFill>
+                <a:schemeClr val="tx1"/>
+              </a:solidFill>
+            </a:endParaRPr>
           </a:p>
         </p:txBody>
       </p:sp>
     </p:spTree>
     <p:extLst>
       <p:ext uri="{BB962C8B-B14F-4D97-AF65-F5344CB8AC3E}">
-        <p14:creationId xmlns:p14="http://schemas.microsoft.com/office/powerpoint/2010/main" val="1418804606"/>
+        <p14:creationId xmlns:p14="http://schemas.microsoft.com/office/powerpoint/2010/main" val="3667787949"/>
       </p:ext>
     </p:extLst>
   </p:cSld>

--- a/UE5_analysis/Lumen分析图.pptx
+++ b/UE5_analysis/Lumen分析图.pptx
@@ -6254,6 +6254,276 @@
               </a:rPr>
               <a:t>起来</a:t>
             </a:r>
+          </a:p>
+        </p:txBody>
+      </p:sp>
+      <p:sp>
+        <p:nvSpPr>
+          <p:cNvPr id="6" name="圆角矩形 5"/>
+          <p:cNvSpPr/>
+          <p:nvPr/>
+        </p:nvSpPr>
+        <p:spPr>
+          <a:xfrm>
+            <a:off x="1042288" y="3506263"/>
+            <a:ext cx="1860772" cy="409242"/>
+          </a:xfrm>
+          <a:prstGeom prst="roundRect">
+            <a:avLst/>
+          </a:prstGeom>
+          <a:solidFill>
+            <a:schemeClr val="accent2">
+              <a:lumMod val="60000"/>
+              <a:lumOff val="40000"/>
+            </a:schemeClr>
+          </a:solidFill>
+        </p:spPr>
+        <p:style>
+          <a:lnRef idx="2">
+            <a:schemeClr val="accent1">
+              <a:shade val="50000"/>
+            </a:schemeClr>
+          </a:lnRef>
+          <a:fillRef idx="1">
+            <a:schemeClr val="accent1"/>
+          </a:fillRef>
+          <a:effectRef idx="0">
+            <a:schemeClr val="accent1"/>
+          </a:effectRef>
+          <a:fontRef idx="minor">
+            <a:schemeClr val="lt1"/>
+          </a:fontRef>
+        </p:style>
+        <p:txBody>
+          <a:bodyPr rtlCol="0" anchor="ctr"/>
+          <a:lstStyle/>
+          <a:p>
+            <a:pPr algn="ctr"/>
+            <a:r>
+              <a:rPr lang="zh-CN" altLang="en-US" sz="1400" dirty="0" smtClean="0">
+                <a:solidFill>
+                  <a:schemeClr val="tx1"/>
+                </a:solidFill>
+              </a:rPr>
+              <a:t>间接光是否使用</a:t>
+            </a:r>
+            <a:r>
+              <a:rPr lang="en-US" altLang="zh-CN" sz="1400" dirty="0" err="1">
+                <a:solidFill>
+                  <a:schemeClr val="tx1"/>
+                </a:solidFill>
+              </a:rPr>
+              <a:t>IrradianceAtlas</a:t>
+            </a:r>
+            <a:endParaRPr lang="zh-CN" altLang="en-US" sz="1400" dirty="0">
+              <a:solidFill>
+                <a:schemeClr val="tx1"/>
+              </a:solidFill>
+            </a:endParaRPr>
+          </a:p>
+        </p:txBody>
+      </p:sp>
+      <p:sp>
+        <p:nvSpPr>
+          <p:cNvPr id="7" name="圆角矩形 6"/>
+          <p:cNvSpPr/>
+          <p:nvPr/>
+        </p:nvSpPr>
+        <p:spPr>
+          <a:xfrm>
+            <a:off x="1042288" y="4319896"/>
+            <a:ext cx="1860772" cy="409242"/>
+          </a:xfrm>
+          <a:prstGeom prst="roundRect">
+            <a:avLst/>
+          </a:prstGeom>
+          <a:solidFill>
+            <a:schemeClr val="accent1">
+              <a:lumMod val="40000"/>
+              <a:lumOff val="60000"/>
+            </a:schemeClr>
+          </a:solidFill>
+        </p:spPr>
+        <p:style>
+          <a:lnRef idx="2">
+            <a:schemeClr val="accent1">
+              <a:shade val="50000"/>
+            </a:schemeClr>
+          </a:lnRef>
+          <a:fillRef idx="1">
+            <a:schemeClr val="accent1"/>
+          </a:fillRef>
+          <a:effectRef idx="0">
+            <a:schemeClr val="accent1"/>
+          </a:effectRef>
+          <a:fontRef idx="minor">
+            <a:schemeClr val="lt1"/>
+          </a:fontRef>
+        </p:style>
+        <p:txBody>
+          <a:bodyPr rtlCol="0" anchor="ctr"/>
+          <a:lstStyle/>
+          <a:p>
+            <a:pPr algn="ctr"/>
+            <a:r>
+              <a:rPr lang="zh-CN" altLang="en-US" sz="1400" dirty="0">
+                <a:solidFill>
+                  <a:schemeClr val="tx1"/>
+                </a:solidFill>
+              </a:rPr>
+              <a:t>绘制直接光照</a:t>
+            </a:r>
+          </a:p>
+        </p:txBody>
+      </p:sp>
+      <p:sp>
+        <p:nvSpPr>
+          <p:cNvPr id="8" name="圆角矩形 7"/>
+          <p:cNvSpPr/>
+          <p:nvPr/>
+        </p:nvSpPr>
+        <p:spPr>
+          <a:xfrm>
+            <a:off x="1042288" y="5138380"/>
+            <a:ext cx="1860772" cy="409242"/>
+          </a:xfrm>
+          <a:prstGeom prst="roundRect">
+            <a:avLst/>
+          </a:prstGeom>
+          <a:solidFill>
+            <a:schemeClr val="accent2">
+              <a:lumMod val="60000"/>
+              <a:lumOff val="40000"/>
+            </a:schemeClr>
+          </a:solidFill>
+        </p:spPr>
+        <p:style>
+          <a:lnRef idx="2">
+            <a:schemeClr val="accent1">
+              <a:shade val="50000"/>
+            </a:schemeClr>
+          </a:lnRef>
+          <a:fillRef idx="1">
+            <a:schemeClr val="accent1"/>
+          </a:fillRef>
+          <a:effectRef idx="0">
+            <a:schemeClr val="accent1"/>
+          </a:effectRef>
+          <a:fontRef idx="minor">
+            <a:schemeClr val="lt1"/>
+          </a:fontRef>
+        </p:style>
+        <p:txBody>
+          <a:bodyPr rtlCol="0" anchor="ctr"/>
+          <a:lstStyle/>
+          <a:p>
+            <a:pPr algn="ctr"/>
+            <a:r>
+              <a:rPr lang="zh-CN" altLang="en-US" sz="1400" dirty="0" smtClean="0">
+                <a:solidFill>
+                  <a:schemeClr val="tx1"/>
+                </a:solidFill>
+              </a:rPr>
+              <a:t>直接光</a:t>
+            </a:r>
+            <a:r>
+              <a:rPr lang="zh-CN" altLang="en-US" sz="1400" dirty="0">
+                <a:solidFill>
+                  <a:schemeClr val="tx1"/>
+                </a:solidFill>
+              </a:rPr>
+              <a:t>是否使用</a:t>
+            </a:r>
+            <a:r>
+              <a:rPr lang="en-US" altLang="zh-CN" sz="1400" dirty="0" err="1">
+                <a:solidFill>
+                  <a:schemeClr val="tx1"/>
+                </a:solidFill>
+              </a:rPr>
+              <a:t>IrradianceAtlas</a:t>
+            </a:r>
+            <a:endParaRPr lang="zh-CN" altLang="en-US" sz="1400" dirty="0">
+              <a:solidFill>
+                <a:schemeClr val="tx1"/>
+              </a:solidFill>
+            </a:endParaRPr>
+          </a:p>
+        </p:txBody>
+      </p:sp>
+      <p:sp>
+        <p:nvSpPr>
+          <p:cNvPr id="9" name="圆角矩形 8"/>
+          <p:cNvSpPr/>
+          <p:nvPr/>
+        </p:nvSpPr>
+        <p:spPr>
+          <a:xfrm>
+            <a:off x="1042288" y="5956864"/>
+            <a:ext cx="1860772" cy="409242"/>
+          </a:xfrm>
+          <a:prstGeom prst="roundRect">
+            <a:avLst/>
+          </a:prstGeom>
+          <a:solidFill>
+            <a:schemeClr val="accent2">
+              <a:lumMod val="60000"/>
+              <a:lumOff val="40000"/>
+            </a:schemeClr>
+          </a:solidFill>
+        </p:spPr>
+        <p:style>
+          <a:lnRef idx="2">
+            <a:schemeClr val="accent1">
+              <a:shade val="50000"/>
+            </a:schemeClr>
+          </a:lnRef>
+          <a:fillRef idx="1">
+            <a:schemeClr val="accent1"/>
+          </a:fillRef>
+          <a:effectRef idx="0">
+            <a:schemeClr val="accent1"/>
+          </a:effectRef>
+          <a:fontRef idx="minor">
+            <a:schemeClr val="lt1"/>
+          </a:fontRef>
+        </p:style>
+        <p:txBody>
+          <a:bodyPr rtlCol="0" anchor="ctr"/>
+          <a:lstStyle/>
+          <a:p>
+            <a:pPr algn="ctr"/>
+            <a:r>
+              <a:rPr lang="zh-CN" altLang="en-US" sz="1200" dirty="0">
+                <a:solidFill>
+                  <a:schemeClr val="tx1"/>
+                </a:solidFill>
+              </a:rPr>
+              <a:t>应用</a:t>
+            </a:r>
+            <a:r>
+              <a:rPr lang="en-US" altLang="zh-CN" sz="1200" dirty="0" err="1">
+                <a:solidFill>
+                  <a:schemeClr val="tx1"/>
+                </a:solidFill>
+              </a:rPr>
+              <a:t>LumenCard</a:t>
+            </a:r>
+            <a:r>
+              <a:rPr lang="zh-CN" altLang="en-US" sz="1200" dirty="0">
+                <a:solidFill>
+                  <a:schemeClr val="tx1"/>
+                </a:solidFill>
+              </a:rPr>
+              <a:t>的</a:t>
+            </a:r>
+            <a:r>
+              <a:rPr lang="en-US" altLang="zh-CN" sz="1200" dirty="0">
+                <a:solidFill>
+                  <a:schemeClr val="tx1"/>
+                </a:solidFill>
+              </a:rPr>
+              <a:t>Albedo</a:t>
+            </a:r>
             <a:endParaRPr lang="zh-CN" altLang="en-US" sz="1200" dirty="0">
               <a:solidFill>
                 <a:schemeClr val="tx1"/>
@@ -6264,22 +6534,22 @@
       </p:sp>
       <p:sp>
         <p:nvSpPr>
-          <p:cNvPr id="6" name="圆角矩形 5"/>
+          <p:cNvPr id="10" name="圆角矩形 9"/>
           <p:cNvSpPr/>
           <p:nvPr/>
         </p:nvSpPr>
         <p:spPr>
           <a:xfrm>
-            <a:off x="1042288" y="3506263"/>
+            <a:off x="5146431" y="1310853"/>
             <a:ext cx="1860772" cy="409242"/>
           </a:xfrm>
           <a:prstGeom prst="roundRect">
             <a:avLst/>
           </a:prstGeom>
           <a:solidFill>
-            <a:schemeClr val="accent2">
-              <a:lumMod val="60000"/>
-              <a:lumOff val="40000"/>
+            <a:schemeClr val="accent1">
+              <a:lumMod val="40000"/>
+              <a:lumOff val="60000"/>
             </a:schemeClr>
           </a:solidFill>
         </p:spPr>
@@ -6305,322 +6575,37 @@
           <a:p>
             <a:pPr algn="ctr"/>
             <a:r>
-              <a:rPr lang="zh-CN" altLang="en-US" sz="1400" dirty="0" smtClean="0">
-                <a:solidFill>
-                  <a:schemeClr val="tx1"/>
-                </a:solidFill>
-              </a:rPr>
-              <a:t>间接光是否使用</a:t>
-            </a:r>
-            <a:r>
-              <a:rPr lang="en-US" altLang="zh-CN" sz="1400" dirty="0" err="1">
-                <a:solidFill>
-                  <a:schemeClr val="tx1"/>
-                </a:solidFill>
-              </a:rPr>
-              <a:t>IrradianceAtlas</a:t>
-            </a:r>
-            <a:endParaRPr lang="zh-CN" altLang="en-US" sz="1400" dirty="0">
-              <a:solidFill>
-                <a:schemeClr val="tx1"/>
-              </a:solidFill>
-            </a:endParaRPr>
-          </a:p>
-        </p:txBody>
-      </p:sp>
-      <p:sp>
-        <p:nvSpPr>
-          <p:cNvPr id="7" name="圆角矩形 6"/>
-          <p:cNvSpPr/>
-          <p:nvPr/>
-        </p:nvSpPr>
-        <p:spPr>
-          <a:xfrm>
-            <a:off x="1042288" y="4319896"/>
-            <a:ext cx="1860772" cy="409242"/>
-          </a:xfrm>
-          <a:prstGeom prst="roundRect">
-            <a:avLst/>
-          </a:prstGeom>
-          <a:solidFill>
-            <a:schemeClr val="accent1">
-              <a:lumMod val="40000"/>
-              <a:lumOff val="60000"/>
-            </a:schemeClr>
-          </a:solidFill>
-        </p:spPr>
-        <p:style>
-          <a:lnRef idx="2">
-            <a:schemeClr val="accent1">
-              <a:shade val="50000"/>
-            </a:schemeClr>
-          </a:lnRef>
-          <a:fillRef idx="1">
-            <a:schemeClr val="accent1"/>
-          </a:fillRef>
-          <a:effectRef idx="0">
-            <a:schemeClr val="accent1"/>
-          </a:effectRef>
-          <a:fontRef idx="minor">
-            <a:schemeClr val="lt1"/>
-          </a:fontRef>
-        </p:style>
-        <p:txBody>
-          <a:bodyPr rtlCol="0" anchor="ctr"/>
-          <a:lstStyle/>
-          <a:p>
-            <a:pPr algn="ctr"/>
-            <a:r>
-              <a:rPr lang="zh-CN" altLang="en-US" sz="1400" dirty="0">
-                <a:solidFill>
-                  <a:schemeClr val="tx1"/>
-                </a:solidFill>
-              </a:rPr>
-              <a:t>绘制直接光照</a:t>
-            </a:r>
-            <a:endParaRPr lang="zh-CN" altLang="en-US" sz="1400" dirty="0">
-              <a:solidFill>
-                <a:schemeClr val="tx1"/>
-              </a:solidFill>
-            </a:endParaRPr>
-          </a:p>
-        </p:txBody>
-      </p:sp>
-      <p:sp>
-        <p:nvSpPr>
-          <p:cNvPr id="8" name="圆角矩形 7"/>
-          <p:cNvSpPr/>
-          <p:nvPr/>
-        </p:nvSpPr>
-        <p:spPr>
-          <a:xfrm>
-            <a:off x="1042288" y="5138380"/>
-            <a:ext cx="1860772" cy="409242"/>
-          </a:xfrm>
-          <a:prstGeom prst="roundRect">
-            <a:avLst/>
-          </a:prstGeom>
-          <a:solidFill>
-            <a:schemeClr val="accent2">
-              <a:lumMod val="60000"/>
-              <a:lumOff val="40000"/>
-            </a:schemeClr>
-          </a:solidFill>
-        </p:spPr>
-        <p:style>
-          <a:lnRef idx="2">
-            <a:schemeClr val="accent1">
-              <a:shade val="50000"/>
-            </a:schemeClr>
-          </a:lnRef>
-          <a:fillRef idx="1">
-            <a:schemeClr val="accent1"/>
-          </a:fillRef>
-          <a:effectRef idx="0">
-            <a:schemeClr val="accent1"/>
-          </a:effectRef>
-          <a:fontRef idx="minor">
-            <a:schemeClr val="lt1"/>
-          </a:fontRef>
-        </p:style>
-        <p:txBody>
-          <a:bodyPr rtlCol="0" anchor="ctr"/>
-          <a:lstStyle/>
-          <a:p>
-            <a:pPr algn="ctr"/>
-            <a:r>
-              <a:rPr lang="zh-CN" altLang="en-US" sz="1400" dirty="0" smtClean="0">
-                <a:solidFill>
-                  <a:schemeClr val="tx1"/>
-                </a:solidFill>
-              </a:rPr>
-              <a:t>直接光</a:t>
-            </a:r>
-            <a:r>
-              <a:rPr lang="zh-CN" altLang="en-US" sz="1400" dirty="0">
-                <a:solidFill>
-                  <a:schemeClr val="tx1"/>
-                </a:solidFill>
-              </a:rPr>
-              <a:t>是否使用</a:t>
-            </a:r>
-            <a:r>
-              <a:rPr lang="en-US" altLang="zh-CN" sz="1400" dirty="0" err="1">
-                <a:solidFill>
-                  <a:schemeClr val="tx1"/>
-                </a:solidFill>
-              </a:rPr>
-              <a:t>IrradianceAtlas</a:t>
-            </a:r>
-            <a:endParaRPr lang="zh-CN" altLang="en-US" sz="1400" dirty="0">
-              <a:solidFill>
-                <a:schemeClr val="tx1"/>
-              </a:solidFill>
-            </a:endParaRPr>
-          </a:p>
-        </p:txBody>
-      </p:sp>
-      <p:sp>
-        <p:nvSpPr>
-          <p:cNvPr id="9" name="圆角矩形 8"/>
-          <p:cNvSpPr/>
-          <p:nvPr/>
-        </p:nvSpPr>
-        <p:spPr>
-          <a:xfrm>
-            <a:off x="1042288" y="5956864"/>
-            <a:ext cx="1860772" cy="409242"/>
-          </a:xfrm>
-          <a:prstGeom prst="roundRect">
-            <a:avLst/>
-          </a:prstGeom>
-          <a:solidFill>
-            <a:schemeClr val="accent2">
-              <a:lumMod val="60000"/>
-              <a:lumOff val="40000"/>
-            </a:schemeClr>
-          </a:solidFill>
-        </p:spPr>
-        <p:style>
-          <a:lnRef idx="2">
-            <a:schemeClr val="accent1">
-              <a:shade val="50000"/>
-            </a:schemeClr>
-          </a:lnRef>
-          <a:fillRef idx="1">
-            <a:schemeClr val="accent1"/>
-          </a:fillRef>
-          <a:effectRef idx="0">
-            <a:schemeClr val="accent1"/>
-          </a:effectRef>
-          <a:fontRef idx="minor">
-            <a:schemeClr val="lt1"/>
-          </a:fontRef>
-        </p:style>
-        <p:txBody>
-          <a:bodyPr rtlCol="0" anchor="ctr"/>
-          <a:lstStyle/>
-          <a:p>
-            <a:pPr algn="ctr"/>
+              <a:rPr lang="en-US" altLang="zh-CN" sz="1200" dirty="0" err="1">
+                <a:solidFill>
+                  <a:schemeClr val="tx1"/>
+                </a:solidFill>
+              </a:rPr>
+              <a:t>Prefilter</a:t>
+            </a:r>
+            <a:r>
+              <a:rPr lang="en-US" altLang="zh-CN" sz="1200" dirty="0">
+                <a:solidFill>
+                  <a:schemeClr val="tx1"/>
+                </a:solidFill>
+              </a:rPr>
+              <a:t> </a:t>
+            </a:r>
+            <a:r>
+              <a:rPr lang="en-US" altLang="zh-CN" sz="1200" dirty="0" err="1">
+                <a:solidFill>
+                  <a:schemeClr val="tx1"/>
+                </a:solidFill>
+              </a:rPr>
+              <a:t>lumenScene</a:t>
+            </a:r>
             <a:r>
               <a:rPr lang="zh-CN" altLang="en-US" sz="1200" dirty="0">
                 <a:solidFill>
                   <a:schemeClr val="tx1"/>
                 </a:solidFill>
               </a:rPr>
-              <a:t>应用</a:t>
-            </a:r>
-            <a:r>
-              <a:rPr lang="en-US" altLang="zh-CN" sz="1200" dirty="0" err="1">
-                <a:solidFill>
-                  <a:schemeClr val="tx1"/>
-                </a:solidFill>
-              </a:rPr>
-              <a:t>LumenCard</a:t>
-            </a:r>
-            <a:r>
-              <a:rPr lang="zh-CN" altLang="en-US" sz="1200" dirty="0">
-                <a:solidFill>
-                  <a:schemeClr val="tx1"/>
-                </a:solidFill>
-              </a:rPr>
-              <a:t>的</a:t>
-            </a:r>
-            <a:r>
-              <a:rPr lang="en-US" altLang="zh-CN" sz="1200" dirty="0">
-                <a:solidFill>
-                  <a:schemeClr val="tx1"/>
-                </a:solidFill>
-              </a:rPr>
-              <a:t>Albedo</a:t>
-            </a:r>
-            <a:endParaRPr lang="zh-CN" altLang="en-US" sz="1200" dirty="0">
-              <a:solidFill>
-                <a:schemeClr val="tx1"/>
-              </a:solidFill>
-            </a:endParaRPr>
-          </a:p>
-        </p:txBody>
-      </p:sp>
-      <p:sp>
-        <p:nvSpPr>
-          <p:cNvPr id="10" name="圆角矩形 9"/>
-          <p:cNvSpPr/>
-          <p:nvPr/>
-        </p:nvSpPr>
-        <p:spPr>
-          <a:xfrm>
-            <a:off x="5146431" y="1310853"/>
-            <a:ext cx="1860772" cy="409242"/>
-          </a:xfrm>
-          <a:prstGeom prst="roundRect">
-            <a:avLst/>
-          </a:prstGeom>
-          <a:solidFill>
-            <a:schemeClr val="accent1">
-              <a:lumMod val="40000"/>
-              <a:lumOff val="60000"/>
-            </a:schemeClr>
-          </a:solidFill>
-        </p:spPr>
-        <p:style>
-          <a:lnRef idx="2">
-            <a:schemeClr val="accent1">
-              <a:shade val="50000"/>
-            </a:schemeClr>
-          </a:lnRef>
-          <a:fillRef idx="1">
-            <a:schemeClr val="accent1"/>
-          </a:fillRef>
-          <a:effectRef idx="0">
-            <a:schemeClr val="accent1"/>
-          </a:effectRef>
-          <a:fontRef idx="minor">
-            <a:schemeClr val="lt1"/>
-          </a:fontRef>
-        </p:style>
-        <p:txBody>
-          <a:bodyPr rtlCol="0" anchor="ctr"/>
-          <a:lstStyle/>
-          <a:p>
-            <a:pPr algn="ctr"/>
-            <a:r>
-              <a:rPr lang="en-US" altLang="zh-CN" sz="1200" dirty="0" err="1">
-                <a:solidFill>
-                  <a:schemeClr val="tx1"/>
-                </a:solidFill>
-              </a:rPr>
-              <a:t>Prefilter</a:t>
-            </a:r>
-            <a:r>
-              <a:rPr lang="en-US" altLang="zh-CN" sz="1200" dirty="0">
-                <a:solidFill>
-                  <a:schemeClr val="tx1"/>
-                </a:solidFill>
-              </a:rPr>
-              <a:t> </a:t>
-            </a:r>
-            <a:r>
-              <a:rPr lang="en-US" altLang="zh-CN" sz="1200" dirty="0" err="1">
-                <a:solidFill>
-                  <a:schemeClr val="tx1"/>
-                </a:solidFill>
-              </a:rPr>
-              <a:t>lumenScene</a:t>
-            </a:r>
-            <a:r>
-              <a:rPr lang="zh-CN" altLang="en-US" sz="1200" dirty="0">
-                <a:solidFill>
-                  <a:schemeClr val="tx1"/>
-                </a:solidFill>
-              </a:rPr>
               <a:t>的光照</a:t>
             </a:r>
-            <a:endParaRPr lang="zh-CN" altLang="en-US" sz="1200" dirty="0">
-              <a:solidFill>
-                <a:schemeClr val="tx1"/>
-              </a:solidFill>
-            </a:endParaRPr>
           </a:p>
         </p:txBody>
       </p:sp>
@@ -7303,7 +7288,6 @@
               <a:rPr lang="en-US" altLang="zh-CN" sz="1400" dirty="0"/>
               <a:t>LumenSceneDirectLighting.cpp</a:t>
             </a:r>
-            <a:endParaRPr lang="en-US" altLang="zh-CN" sz="1400" dirty="0"/>
           </a:p>
         </p:txBody>
       </p:sp>
@@ -8371,11 +8355,6 @@
               </a:rPr>
               <a:t>绘制反射</a:t>
             </a:r>
-            <a:endParaRPr lang="zh-CN" altLang="en-US" sz="1100" dirty="0">
-              <a:solidFill>
-                <a:schemeClr val="tx1"/>
-              </a:solidFill>
-            </a:endParaRPr>
           </a:p>
         </p:txBody>
       </p:sp>
@@ -9698,6 +9677,458 @@
           </a:p>
         </p:txBody>
       </p:sp>
+      <p:sp>
+        <p:nvSpPr>
+          <p:cNvPr id="3" name="圆角矩形 2"/>
+          <p:cNvSpPr/>
+          <p:nvPr/>
+        </p:nvSpPr>
+        <p:spPr>
+          <a:xfrm>
+            <a:off x="933583" y="1435543"/>
+            <a:ext cx="1860772" cy="348496"/>
+          </a:xfrm>
+          <a:prstGeom prst="roundRect">
+            <a:avLst/>
+          </a:prstGeom>
+          <a:solidFill>
+            <a:schemeClr val="accent2">
+              <a:lumMod val="60000"/>
+              <a:lumOff val="40000"/>
+            </a:schemeClr>
+          </a:solidFill>
+        </p:spPr>
+        <p:style>
+          <a:lnRef idx="2">
+            <a:schemeClr val="accent1">
+              <a:shade val="50000"/>
+            </a:schemeClr>
+          </a:lnRef>
+          <a:fillRef idx="1">
+            <a:schemeClr val="accent1"/>
+          </a:fillRef>
+          <a:effectRef idx="0">
+            <a:schemeClr val="accent1"/>
+          </a:effectRef>
+          <a:fontRef idx="minor">
+            <a:schemeClr val="lt1"/>
+          </a:fontRef>
+        </p:style>
+        <p:txBody>
+          <a:bodyPr rtlCol="0" anchor="ctr"/>
+          <a:lstStyle/>
+          <a:p>
+            <a:pPr algn="ctr"/>
+            <a:r>
+              <a:rPr lang="en-US" altLang="zh-CN" sz="1100" dirty="0" smtClean="0">
+                <a:solidFill>
+                  <a:schemeClr val="tx1"/>
+                </a:solidFill>
+              </a:rPr>
+              <a:t>Cull Cards</a:t>
+            </a:r>
+            <a:endParaRPr lang="zh-CN" altLang="en-US" sz="1100" dirty="0">
+              <a:solidFill>
+                <a:schemeClr val="tx1"/>
+              </a:solidFill>
+            </a:endParaRPr>
+          </a:p>
+        </p:txBody>
+      </p:sp>
+      <p:sp>
+        <p:nvSpPr>
+          <p:cNvPr id="5" name="圆角矩形 4"/>
+          <p:cNvSpPr/>
+          <p:nvPr/>
+        </p:nvSpPr>
+        <p:spPr>
+          <a:xfrm>
+            <a:off x="933583" y="2208200"/>
+            <a:ext cx="1860772" cy="348496"/>
+          </a:xfrm>
+          <a:prstGeom prst="roundRect">
+            <a:avLst/>
+          </a:prstGeom>
+          <a:solidFill>
+            <a:schemeClr val="accent2">
+              <a:lumMod val="60000"/>
+              <a:lumOff val="40000"/>
+            </a:schemeClr>
+          </a:solidFill>
+        </p:spPr>
+        <p:style>
+          <a:lnRef idx="2">
+            <a:schemeClr val="accent1">
+              <a:shade val="50000"/>
+            </a:schemeClr>
+          </a:lnRef>
+          <a:fillRef idx="1">
+            <a:schemeClr val="accent1"/>
+          </a:fillRef>
+          <a:effectRef idx="0">
+            <a:schemeClr val="accent1"/>
+          </a:effectRef>
+          <a:fontRef idx="minor">
+            <a:schemeClr val="lt1"/>
+          </a:fontRef>
+        </p:style>
+        <p:txBody>
+          <a:bodyPr rtlCol="0" anchor="ctr"/>
+          <a:lstStyle/>
+          <a:p>
+            <a:pPr algn="ctr"/>
+            <a:r>
+              <a:rPr lang="en-US" altLang="zh-CN" sz="1100">
+                <a:solidFill>
+                  <a:schemeClr val="tx1"/>
+                </a:solidFill>
+              </a:rPr>
+              <a:t>GenerateSamples</a:t>
+            </a:r>
+            <a:endParaRPr lang="zh-CN" altLang="en-US" sz="1100" dirty="0">
+              <a:solidFill>
+                <a:schemeClr val="tx1"/>
+              </a:solidFill>
+            </a:endParaRPr>
+          </a:p>
+        </p:txBody>
+      </p:sp>
+      <p:sp>
+        <p:nvSpPr>
+          <p:cNvPr id="6" name="圆角矩形 5"/>
+          <p:cNvSpPr/>
+          <p:nvPr/>
+        </p:nvSpPr>
+        <p:spPr>
+          <a:xfrm>
+            <a:off x="933583" y="2980857"/>
+            <a:ext cx="1860772" cy="348496"/>
+          </a:xfrm>
+          <a:prstGeom prst="roundRect">
+            <a:avLst/>
+          </a:prstGeom>
+          <a:solidFill>
+            <a:schemeClr val="accent2">
+              <a:lumMod val="60000"/>
+              <a:lumOff val="40000"/>
+            </a:schemeClr>
+          </a:solidFill>
+        </p:spPr>
+        <p:style>
+          <a:lnRef idx="2">
+            <a:schemeClr val="accent1">
+              <a:shade val="50000"/>
+            </a:schemeClr>
+          </a:lnRef>
+          <a:fillRef idx="1">
+            <a:schemeClr val="accent1"/>
+          </a:fillRef>
+          <a:effectRef idx="0">
+            <a:schemeClr val="accent1"/>
+          </a:effectRef>
+          <a:fontRef idx="minor">
+            <a:schemeClr val="lt1"/>
+          </a:fontRef>
+        </p:style>
+        <p:txBody>
+          <a:bodyPr rtlCol="0" anchor="ctr"/>
+          <a:lstStyle/>
+          <a:p>
+            <a:pPr algn="ctr"/>
+            <a:r>
+              <a:rPr lang="en-US" altLang="zh-CN" sz="1100" dirty="0" err="1" smtClean="0">
+                <a:solidFill>
+                  <a:schemeClr val="tx1"/>
+                </a:solidFill>
+              </a:rPr>
+              <a:t>RenderRadiosityCS</a:t>
+            </a:r>
+            <a:endParaRPr lang="zh-CN" altLang="en-US" sz="1100" dirty="0">
+              <a:solidFill>
+                <a:schemeClr val="tx1"/>
+              </a:solidFill>
+            </a:endParaRPr>
+          </a:p>
+        </p:txBody>
+      </p:sp>
+      <p:sp>
+        <p:nvSpPr>
+          <p:cNvPr id="7" name="圆角矩形 6"/>
+          <p:cNvSpPr/>
+          <p:nvPr/>
+        </p:nvSpPr>
+        <p:spPr>
+          <a:xfrm>
+            <a:off x="933583" y="3753514"/>
+            <a:ext cx="1860772" cy="348496"/>
+          </a:xfrm>
+          <a:prstGeom prst="roundRect">
+            <a:avLst/>
+          </a:prstGeom>
+          <a:solidFill>
+            <a:schemeClr val="accent2">
+              <a:lumMod val="60000"/>
+              <a:lumOff val="40000"/>
+            </a:schemeClr>
+          </a:solidFill>
+        </p:spPr>
+        <p:style>
+          <a:lnRef idx="2">
+            <a:schemeClr val="accent1">
+              <a:shade val="50000"/>
+            </a:schemeClr>
+          </a:lnRef>
+          <a:fillRef idx="1">
+            <a:schemeClr val="accent1"/>
+          </a:fillRef>
+          <a:effectRef idx="0">
+            <a:schemeClr val="accent1"/>
+          </a:effectRef>
+          <a:fontRef idx="minor">
+            <a:schemeClr val="lt1"/>
+          </a:fontRef>
+        </p:style>
+        <p:txBody>
+          <a:bodyPr rtlCol="0" anchor="ctr"/>
+          <a:lstStyle/>
+          <a:p>
+            <a:pPr algn="ctr"/>
+            <a:r>
+              <a:rPr lang="zh-CN" altLang="en-US" sz="1100" dirty="0">
+                <a:solidFill>
+                  <a:schemeClr val="tx1"/>
+                </a:solidFill>
+              </a:rPr>
+              <a:t>绘制到</a:t>
+            </a:r>
+            <a:r>
+              <a:rPr lang="en-US" altLang="zh-CN" sz="1100" dirty="0" smtClean="0">
+                <a:solidFill>
+                  <a:schemeClr val="tx1"/>
+                </a:solidFill>
+              </a:rPr>
+              <a:t>Atlas</a:t>
+            </a:r>
+            <a:r>
+              <a:rPr lang="zh-CN" altLang="en-US" sz="1100" dirty="0" smtClean="0">
+                <a:solidFill>
+                  <a:schemeClr val="tx1"/>
+                </a:solidFill>
+              </a:rPr>
+              <a:t>上</a:t>
+            </a:r>
+            <a:endParaRPr lang="zh-CN" altLang="en-US" sz="1100" dirty="0">
+              <a:solidFill>
+                <a:schemeClr val="tx1"/>
+              </a:solidFill>
+            </a:endParaRPr>
+          </a:p>
+        </p:txBody>
+      </p:sp>
+      <p:sp>
+        <p:nvSpPr>
+          <p:cNvPr id="8" name="文本框 7"/>
+          <p:cNvSpPr txBox="1"/>
+          <p:nvPr/>
+        </p:nvSpPr>
+        <p:spPr>
+          <a:xfrm>
+            <a:off x="2794355" y="3013893"/>
+            <a:ext cx="1454244" cy="276999"/>
+          </a:xfrm>
+          <a:prstGeom prst="rect">
+            <a:avLst/>
+          </a:prstGeom>
+          <a:noFill/>
+        </p:spPr>
+        <p:txBody>
+          <a:bodyPr wrap="none" rtlCol="0">
+            <a:spAutoFit/>
+          </a:bodyPr>
+          <a:lstStyle/>
+          <a:p>
+            <a:r>
+              <a:rPr lang="en-US" altLang="zh-CN" sz="1200" dirty="0" err="1" smtClean="0"/>
+              <a:t>LumenRadiosity</a:t>
+            </a:r>
+            <a:r>
+              <a:rPr lang="en-US" altLang="zh-CN" sz="1200" dirty="0" err="1" smtClean="0"/>
+              <a:t>.usf</a:t>
+            </a:r>
+            <a:endParaRPr lang="en-US" altLang="zh-CN" sz="1200" dirty="0"/>
+          </a:p>
+        </p:txBody>
+      </p:sp>
+      <p:sp>
+        <p:nvSpPr>
+          <p:cNvPr id="9" name="左大括号 8"/>
+          <p:cNvSpPr/>
+          <p:nvPr/>
+        </p:nvSpPr>
+        <p:spPr>
+          <a:xfrm>
+            <a:off x="4333079" y="1609791"/>
+            <a:ext cx="439841" cy="3050076"/>
+          </a:xfrm>
+          <a:prstGeom prst="leftBrace">
+            <a:avLst>
+              <a:gd name="adj1" fmla="val 31594"/>
+              <a:gd name="adj2" fmla="val 50000"/>
+            </a:avLst>
+          </a:prstGeom>
+          <a:ln w="12700">
+            <a:solidFill>
+              <a:srgbClr val="0070C0"/>
+            </a:solidFill>
+          </a:ln>
+        </p:spPr>
+        <p:style>
+          <a:lnRef idx="1">
+            <a:schemeClr val="accent1"/>
+          </a:lnRef>
+          <a:fillRef idx="0">
+            <a:schemeClr val="accent1"/>
+          </a:fillRef>
+          <a:effectRef idx="0">
+            <a:schemeClr val="accent1"/>
+          </a:effectRef>
+          <a:fontRef idx="minor">
+            <a:schemeClr val="tx1"/>
+          </a:fontRef>
+        </p:style>
+        <p:txBody>
+          <a:bodyPr rtlCol="0" anchor="ctr"/>
+          <a:lstStyle/>
+          <a:p>
+            <a:pPr algn="ctr"/>
+            <a:endParaRPr lang="zh-CN" altLang="en-US"/>
+          </a:p>
+        </p:txBody>
+      </p:sp>
+      <p:sp>
+        <p:nvSpPr>
+          <p:cNvPr id="10" name="圆角矩形 9"/>
+          <p:cNvSpPr/>
+          <p:nvPr/>
+        </p:nvSpPr>
+        <p:spPr>
+          <a:xfrm>
+            <a:off x="4857400" y="1435543"/>
+            <a:ext cx="1860772" cy="348496"/>
+          </a:xfrm>
+          <a:prstGeom prst="roundRect">
+            <a:avLst/>
+          </a:prstGeom>
+          <a:solidFill>
+            <a:schemeClr val="accent2">
+              <a:lumMod val="60000"/>
+              <a:lumOff val="40000"/>
+            </a:schemeClr>
+          </a:solidFill>
+        </p:spPr>
+        <p:style>
+          <a:lnRef idx="2">
+            <a:schemeClr val="accent1">
+              <a:shade val="50000"/>
+            </a:schemeClr>
+          </a:lnRef>
+          <a:fillRef idx="1">
+            <a:schemeClr val="accent1"/>
+          </a:fillRef>
+          <a:effectRef idx="0">
+            <a:schemeClr val="accent1"/>
+          </a:effectRef>
+          <a:fontRef idx="minor">
+            <a:schemeClr val="lt1"/>
+          </a:fontRef>
+        </p:style>
+        <p:txBody>
+          <a:bodyPr rtlCol="0" anchor="ctr"/>
+          <a:lstStyle/>
+          <a:p>
+            <a:pPr algn="ctr"/>
+            <a:r>
+              <a:rPr lang="en-US" altLang="zh-CN" sz="1100" dirty="0" err="1">
+                <a:solidFill>
+                  <a:schemeClr val="tx1"/>
+                </a:solidFill>
+              </a:rPr>
+              <a:t>Trace</a:t>
+            </a:r>
+            <a:r>
+              <a:rPr lang="en-US" altLang="zh-CN" sz="1100" dirty="0" err="1" smtClean="0">
+                <a:solidFill>
+                  <a:schemeClr val="tx1"/>
+                </a:solidFill>
+              </a:rPr>
+              <a:t>Block</a:t>
+            </a:r>
+            <a:endParaRPr lang="zh-CN" altLang="en-US" sz="1100" dirty="0">
+              <a:solidFill>
+                <a:schemeClr val="tx1"/>
+              </a:solidFill>
+            </a:endParaRPr>
+          </a:p>
+        </p:txBody>
+      </p:sp>
+      <p:sp>
+        <p:nvSpPr>
+          <p:cNvPr id="11" name="圆角矩形 10"/>
+          <p:cNvSpPr/>
+          <p:nvPr/>
+        </p:nvSpPr>
+        <p:spPr>
+          <a:xfrm>
+            <a:off x="4857400" y="4485619"/>
+            <a:ext cx="1860772" cy="348496"/>
+          </a:xfrm>
+          <a:prstGeom prst="roundRect">
+            <a:avLst/>
+          </a:prstGeom>
+          <a:solidFill>
+            <a:schemeClr val="accent2">
+              <a:lumMod val="60000"/>
+              <a:lumOff val="40000"/>
+            </a:schemeClr>
+          </a:solidFill>
+        </p:spPr>
+        <p:style>
+          <a:lnRef idx="2">
+            <a:schemeClr val="accent1">
+              <a:shade val="50000"/>
+            </a:schemeClr>
+          </a:lnRef>
+          <a:fillRef idx="1">
+            <a:schemeClr val="accent1"/>
+          </a:fillRef>
+          <a:effectRef idx="0">
+            <a:schemeClr val="accent1"/>
+          </a:effectRef>
+          <a:fontRef idx="minor">
+            <a:schemeClr val="lt1"/>
+          </a:fontRef>
+        </p:style>
+        <p:txBody>
+          <a:bodyPr rtlCol="0" anchor="ctr"/>
+          <a:lstStyle/>
+          <a:p>
+            <a:pPr algn="ctr"/>
+            <a:r>
+              <a:rPr lang="en-US" altLang="zh-CN" sz="1100" dirty="0" err="1" smtClean="0">
+                <a:solidFill>
+                  <a:schemeClr val="tx1"/>
+                </a:solidFill>
+              </a:rPr>
+              <a:t>TraceFromTexel</a:t>
+            </a:r>
+            <a:endParaRPr lang="zh-CN" altLang="en-US" sz="1100" dirty="0">
+              <a:solidFill>
+                <a:schemeClr val="tx1"/>
+              </a:solidFill>
+            </a:endParaRPr>
+          </a:p>
+        </p:txBody>
+      </p:sp>
     </p:spTree>
     <p:extLst>
       <p:ext uri="{BB962C8B-B14F-4D97-AF65-F5344CB8AC3E}">
@@ -9755,6 +10186,590 @@
               <a:t>LumenSceneDirectLighting.cpp</a:t>
             </a:r>
             <a:endParaRPr lang="en-US" altLang="zh-CN" dirty="0"/>
+          </a:p>
+        </p:txBody>
+      </p:sp>
+      <p:sp>
+        <p:nvSpPr>
+          <p:cNvPr id="3" name="圆角矩形 2"/>
+          <p:cNvSpPr/>
+          <p:nvPr/>
+        </p:nvSpPr>
+        <p:spPr>
+          <a:xfrm>
+            <a:off x="1374796" y="2033420"/>
+            <a:ext cx="1860772" cy="348496"/>
+          </a:xfrm>
+          <a:prstGeom prst="roundRect">
+            <a:avLst/>
+          </a:prstGeom>
+          <a:solidFill>
+            <a:schemeClr val="accent2">
+              <a:lumMod val="60000"/>
+              <a:lumOff val="40000"/>
+            </a:schemeClr>
+          </a:solidFill>
+        </p:spPr>
+        <p:style>
+          <a:lnRef idx="2">
+            <a:schemeClr val="accent1">
+              <a:shade val="50000"/>
+            </a:schemeClr>
+          </a:lnRef>
+          <a:fillRef idx="1">
+            <a:schemeClr val="accent1"/>
+          </a:fillRef>
+          <a:effectRef idx="0">
+            <a:schemeClr val="accent1"/>
+          </a:effectRef>
+          <a:fontRef idx="minor">
+            <a:schemeClr val="lt1"/>
+          </a:fontRef>
+        </p:style>
+        <p:txBody>
+          <a:bodyPr rtlCol="0" anchor="ctr"/>
+          <a:lstStyle/>
+          <a:p>
+            <a:pPr algn="ctr"/>
+            <a:r>
+              <a:rPr lang="zh-CN" altLang="en-US" sz="1100" dirty="0">
+                <a:solidFill>
+                  <a:schemeClr val="tx1"/>
+                </a:solidFill>
+              </a:rPr>
+              <a:t>直接</a:t>
+            </a:r>
+            <a:r>
+              <a:rPr lang="zh-CN" altLang="en-US" sz="1100" dirty="0" smtClean="0">
+                <a:solidFill>
+                  <a:schemeClr val="tx1"/>
+                </a:solidFill>
+              </a:rPr>
+              <a:t>光注入</a:t>
+            </a:r>
+            <a:r>
+              <a:rPr lang="en-US" altLang="zh-CN" sz="1100" dirty="0" err="1" smtClean="0">
+                <a:solidFill>
+                  <a:schemeClr val="tx1"/>
+                </a:solidFill>
+              </a:rPr>
+              <a:t>MeshCards</a:t>
+            </a:r>
+            <a:endParaRPr lang="zh-CN" altLang="en-US" sz="1100" dirty="0">
+              <a:solidFill>
+                <a:schemeClr val="tx1"/>
+              </a:solidFill>
+            </a:endParaRPr>
+          </a:p>
+        </p:txBody>
+      </p:sp>
+      <p:sp>
+        <p:nvSpPr>
+          <p:cNvPr id="5" name="圆角矩形 4"/>
+          <p:cNvSpPr/>
+          <p:nvPr/>
+        </p:nvSpPr>
+        <p:spPr>
+          <a:xfrm>
+            <a:off x="1374796" y="4347129"/>
+            <a:ext cx="1860772" cy="348496"/>
+          </a:xfrm>
+          <a:prstGeom prst="roundRect">
+            <a:avLst/>
+          </a:prstGeom>
+          <a:solidFill>
+            <a:schemeClr val="accent2">
+              <a:lumMod val="60000"/>
+              <a:lumOff val="40000"/>
+            </a:schemeClr>
+          </a:solidFill>
+        </p:spPr>
+        <p:style>
+          <a:lnRef idx="2">
+            <a:schemeClr val="accent1">
+              <a:shade val="50000"/>
+            </a:schemeClr>
+          </a:lnRef>
+          <a:fillRef idx="1">
+            <a:schemeClr val="accent1"/>
+          </a:fillRef>
+          <a:effectRef idx="0">
+            <a:schemeClr val="accent1"/>
+          </a:effectRef>
+          <a:fontRef idx="minor">
+            <a:schemeClr val="lt1"/>
+          </a:fontRef>
+        </p:style>
+        <p:txBody>
+          <a:bodyPr rtlCol="0" anchor="ctr"/>
+          <a:lstStyle/>
+          <a:p>
+            <a:pPr algn="ctr"/>
+            <a:r>
+              <a:rPr lang="en-US" altLang="zh-CN" sz="1100" dirty="0" smtClean="0">
+                <a:solidFill>
+                  <a:schemeClr val="tx1"/>
+                </a:solidFill>
+              </a:rPr>
+              <a:t>Lighting </a:t>
+            </a:r>
+            <a:r>
+              <a:rPr lang="en-US" altLang="zh-CN" sz="1100" dirty="0" err="1" smtClean="0">
+                <a:solidFill>
+                  <a:schemeClr val="tx1"/>
+                </a:solidFill>
+              </a:rPr>
+              <a:t>culling&amp;draw</a:t>
+            </a:r>
+            <a:endParaRPr lang="en-US" altLang="zh-CN" sz="1100" dirty="0" smtClean="0">
+              <a:solidFill>
+                <a:schemeClr val="tx1"/>
+              </a:solidFill>
+            </a:endParaRPr>
+          </a:p>
+          <a:p>
+            <a:pPr algn="ctr"/>
+            <a:r>
+              <a:rPr lang="zh-CN" altLang="en-US" sz="1100" dirty="0" smtClean="0">
+                <a:solidFill>
+                  <a:schemeClr val="tx1"/>
+                </a:solidFill>
+              </a:rPr>
+              <a:t>（</a:t>
+            </a:r>
+            <a:r>
+              <a:rPr lang="en-US" altLang="zh-CN" sz="1100" dirty="0" smtClean="0">
+                <a:solidFill>
+                  <a:schemeClr val="tx1"/>
+                </a:solidFill>
+              </a:rPr>
+              <a:t>per batch</a:t>
+            </a:r>
+            <a:r>
+              <a:rPr lang="zh-CN" altLang="en-US" sz="1100" dirty="0" smtClean="0">
+                <a:solidFill>
+                  <a:schemeClr val="tx1"/>
+                </a:solidFill>
+              </a:rPr>
+              <a:t>）</a:t>
+            </a:r>
+            <a:endParaRPr lang="zh-CN" altLang="en-US" sz="1100" dirty="0">
+              <a:solidFill>
+                <a:schemeClr val="tx1"/>
+              </a:solidFill>
+            </a:endParaRPr>
+          </a:p>
+        </p:txBody>
+      </p:sp>
+      <p:sp>
+        <p:nvSpPr>
+          <p:cNvPr id="6" name="圆角矩形 5"/>
+          <p:cNvSpPr/>
+          <p:nvPr/>
+        </p:nvSpPr>
+        <p:spPr>
+          <a:xfrm>
+            <a:off x="5843420" y="94848"/>
+            <a:ext cx="1860772" cy="348496"/>
+          </a:xfrm>
+          <a:prstGeom prst="roundRect">
+            <a:avLst/>
+          </a:prstGeom>
+          <a:solidFill>
+            <a:schemeClr val="accent2">
+              <a:lumMod val="60000"/>
+              <a:lumOff val="40000"/>
+            </a:schemeClr>
+          </a:solidFill>
+        </p:spPr>
+        <p:style>
+          <a:lnRef idx="2">
+            <a:schemeClr val="accent1">
+              <a:shade val="50000"/>
+            </a:schemeClr>
+          </a:lnRef>
+          <a:fillRef idx="1">
+            <a:schemeClr val="accent1"/>
+          </a:fillRef>
+          <a:effectRef idx="0">
+            <a:schemeClr val="accent1"/>
+          </a:effectRef>
+          <a:fontRef idx="minor">
+            <a:schemeClr val="lt1"/>
+          </a:fontRef>
+        </p:style>
+        <p:txBody>
+          <a:bodyPr rtlCol="0" anchor="ctr"/>
+          <a:lstStyle/>
+          <a:p>
+            <a:pPr algn="ctr"/>
+            <a:r>
+              <a:rPr lang="zh-CN" altLang="en-US" sz="1100" dirty="0" smtClean="0">
+                <a:solidFill>
+                  <a:schemeClr val="tx1"/>
+                </a:solidFill>
+              </a:rPr>
+              <a:t>使用硬件光追阴影</a:t>
+            </a:r>
+            <a:endParaRPr lang="zh-CN" altLang="en-US" sz="1100" dirty="0">
+              <a:solidFill>
+                <a:schemeClr val="tx1"/>
+              </a:solidFill>
+            </a:endParaRPr>
+          </a:p>
+        </p:txBody>
+      </p:sp>
+      <p:sp>
+        <p:nvSpPr>
+          <p:cNvPr id="7" name="左大括号 6"/>
+          <p:cNvSpPr/>
+          <p:nvPr/>
+        </p:nvSpPr>
+        <p:spPr>
+          <a:xfrm>
+            <a:off x="5298635" y="223748"/>
+            <a:ext cx="439841" cy="6125841"/>
+          </a:xfrm>
+          <a:prstGeom prst="leftBrace">
+            <a:avLst>
+              <a:gd name="adj1" fmla="val 31594"/>
+              <a:gd name="adj2" fmla="val 50000"/>
+            </a:avLst>
+          </a:prstGeom>
+          <a:ln w="12700">
+            <a:solidFill>
+              <a:srgbClr val="0070C0"/>
+            </a:solidFill>
+          </a:ln>
+        </p:spPr>
+        <p:style>
+          <a:lnRef idx="1">
+            <a:schemeClr val="accent1"/>
+          </a:lnRef>
+          <a:fillRef idx="0">
+            <a:schemeClr val="accent1"/>
+          </a:fillRef>
+          <a:effectRef idx="0">
+            <a:schemeClr val="accent1"/>
+          </a:effectRef>
+          <a:fontRef idx="minor">
+            <a:schemeClr val="tx1"/>
+          </a:fontRef>
+        </p:style>
+        <p:txBody>
+          <a:bodyPr rtlCol="0" anchor="ctr"/>
+          <a:lstStyle/>
+          <a:p>
+            <a:pPr algn="ctr"/>
+            <a:endParaRPr lang="zh-CN" altLang="en-US"/>
+          </a:p>
+        </p:txBody>
+      </p:sp>
+      <p:sp>
+        <p:nvSpPr>
+          <p:cNvPr id="8" name="圆角矩形 7"/>
+          <p:cNvSpPr/>
+          <p:nvPr/>
+        </p:nvSpPr>
+        <p:spPr>
+          <a:xfrm>
+            <a:off x="3964530" y="3112420"/>
+            <a:ext cx="1232957" cy="348496"/>
+          </a:xfrm>
+          <a:prstGeom prst="roundRect">
+            <a:avLst/>
+          </a:prstGeom>
+          <a:solidFill>
+            <a:schemeClr val="accent2">
+              <a:lumMod val="60000"/>
+              <a:lumOff val="40000"/>
+            </a:schemeClr>
+          </a:solidFill>
+        </p:spPr>
+        <p:style>
+          <a:lnRef idx="2">
+            <a:schemeClr val="accent1">
+              <a:shade val="50000"/>
+            </a:schemeClr>
+          </a:lnRef>
+          <a:fillRef idx="1">
+            <a:schemeClr val="accent1"/>
+          </a:fillRef>
+          <a:effectRef idx="0">
+            <a:schemeClr val="accent1"/>
+          </a:effectRef>
+          <a:fontRef idx="minor">
+            <a:schemeClr val="lt1"/>
+          </a:fontRef>
+        </p:style>
+        <p:txBody>
+          <a:bodyPr rtlCol="0" anchor="ctr"/>
+          <a:lstStyle/>
+          <a:p>
+            <a:pPr algn="ctr"/>
+            <a:r>
+              <a:rPr lang="zh-CN" altLang="en-US" sz="1100" dirty="0" smtClean="0">
+                <a:solidFill>
+                  <a:schemeClr val="tx1"/>
+                </a:solidFill>
+              </a:rPr>
+              <a:t>直接光注入</a:t>
+            </a:r>
+            <a:r>
+              <a:rPr lang="en-US" altLang="zh-CN" sz="1100" dirty="0" err="1" smtClean="0">
+                <a:solidFill>
+                  <a:schemeClr val="tx1"/>
+                </a:solidFill>
+              </a:rPr>
+              <a:t>meshcard</a:t>
+            </a:r>
+            <a:r>
+              <a:rPr lang="zh-CN" altLang="en-US" sz="1100" dirty="0" smtClean="0">
+                <a:solidFill>
+                  <a:schemeClr val="tx1"/>
+                </a:solidFill>
+              </a:rPr>
+              <a:t>流程</a:t>
+            </a:r>
+            <a:endParaRPr lang="zh-CN" altLang="en-US" sz="1100" dirty="0">
+              <a:solidFill>
+                <a:schemeClr val="tx1"/>
+              </a:solidFill>
+            </a:endParaRPr>
+          </a:p>
+        </p:txBody>
+      </p:sp>
+      <p:sp>
+        <p:nvSpPr>
+          <p:cNvPr id="9" name="圆角矩形 8"/>
+          <p:cNvSpPr/>
+          <p:nvPr/>
+        </p:nvSpPr>
+        <p:spPr>
+          <a:xfrm>
+            <a:off x="5839624" y="835533"/>
+            <a:ext cx="1860772" cy="348496"/>
+          </a:xfrm>
+          <a:prstGeom prst="roundRect">
+            <a:avLst/>
+          </a:prstGeom>
+          <a:solidFill>
+            <a:schemeClr val="accent2">
+              <a:lumMod val="60000"/>
+              <a:lumOff val="40000"/>
+            </a:schemeClr>
+          </a:solidFill>
+        </p:spPr>
+        <p:style>
+          <a:lnRef idx="2">
+            <a:schemeClr val="accent1">
+              <a:shade val="50000"/>
+            </a:schemeClr>
+          </a:lnRef>
+          <a:fillRef idx="1">
+            <a:schemeClr val="accent1"/>
+          </a:fillRef>
+          <a:effectRef idx="0">
+            <a:schemeClr val="accent1"/>
+          </a:effectRef>
+          <a:fontRef idx="minor">
+            <a:schemeClr val="lt1"/>
+          </a:fontRef>
+        </p:style>
+        <p:txBody>
+          <a:bodyPr rtlCol="0" anchor="ctr"/>
+          <a:lstStyle/>
+          <a:p>
+            <a:pPr algn="ctr"/>
+            <a:r>
+              <a:rPr lang="en-US" altLang="zh-CN" sz="1100" dirty="0" smtClean="0">
+                <a:solidFill>
+                  <a:schemeClr val="tx1"/>
+                </a:solidFill>
+              </a:rPr>
+              <a:t>Cull MDF</a:t>
+            </a:r>
+            <a:endParaRPr lang="zh-CN" altLang="en-US" sz="1100" dirty="0">
+              <a:solidFill>
+                <a:schemeClr val="tx1"/>
+              </a:solidFill>
+            </a:endParaRPr>
+          </a:p>
+        </p:txBody>
+      </p:sp>
+      <p:sp>
+        <p:nvSpPr>
+          <p:cNvPr id="10" name="圆角矩形 9"/>
+          <p:cNvSpPr/>
+          <p:nvPr/>
+        </p:nvSpPr>
+        <p:spPr>
+          <a:xfrm>
+            <a:off x="5839624" y="1576218"/>
+            <a:ext cx="1860772" cy="348496"/>
+          </a:xfrm>
+          <a:prstGeom prst="roundRect">
+            <a:avLst/>
+          </a:prstGeom>
+          <a:solidFill>
+            <a:schemeClr val="accent2">
+              <a:lumMod val="60000"/>
+              <a:lumOff val="40000"/>
+            </a:schemeClr>
+          </a:solidFill>
+        </p:spPr>
+        <p:style>
+          <a:lnRef idx="2">
+            <a:schemeClr val="accent1">
+              <a:shade val="50000"/>
+            </a:schemeClr>
+          </a:lnRef>
+          <a:fillRef idx="1">
+            <a:schemeClr val="accent1"/>
+          </a:fillRef>
+          <a:effectRef idx="0">
+            <a:schemeClr val="accent1"/>
+          </a:effectRef>
+          <a:fontRef idx="minor">
+            <a:schemeClr val="lt1"/>
+          </a:fontRef>
+        </p:style>
+        <p:txBody>
+          <a:bodyPr rtlCol="0" anchor="ctr"/>
+          <a:lstStyle/>
+          <a:p>
+            <a:pPr algn="ctr"/>
+            <a:r>
+              <a:rPr lang="zh-CN" altLang="en-US" sz="1100" dirty="0" smtClean="0">
+                <a:solidFill>
+                  <a:schemeClr val="tx1"/>
+                </a:solidFill>
+              </a:rPr>
+              <a:t>绘制结果到</a:t>
+            </a:r>
+            <a:r>
+              <a:rPr lang="en-US" altLang="zh-CN" sz="1100" dirty="0" smtClean="0">
+                <a:solidFill>
+                  <a:schemeClr val="tx1"/>
+                </a:solidFill>
+              </a:rPr>
+              <a:t>Atlas</a:t>
+            </a:r>
+            <a:r>
+              <a:rPr lang="zh-CN" altLang="en-US" sz="1100" dirty="0" smtClean="0">
+                <a:solidFill>
+                  <a:schemeClr val="tx1"/>
+                </a:solidFill>
+              </a:rPr>
+              <a:t>上</a:t>
+            </a:r>
+            <a:endParaRPr lang="zh-CN" altLang="en-US" sz="1100" dirty="0">
+              <a:solidFill>
+                <a:schemeClr val="tx1"/>
+              </a:solidFill>
+            </a:endParaRPr>
+          </a:p>
+        </p:txBody>
+      </p:sp>
+      <p:sp>
+        <p:nvSpPr>
+          <p:cNvPr id="2" name="文本框 1"/>
+          <p:cNvSpPr txBox="1"/>
+          <p:nvPr/>
+        </p:nvSpPr>
+        <p:spPr>
+          <a:xfrm>
+            <a:off x="7809136" y="1663104"/>
+            <a:ext cx="2292615" cy="261610"/>
+          </a:xfrm>
+          <a:prstGeom prst="rect">
+            <a:avLst/>
+          </a:prstGeom>
+          <a:noFill/>
+        </p:spPr>
+        <p:txBody>
+          <a:bodyPr wrap="none" rtlCol="0">
+            <a:spAutoFit/>
+          </a:bodyPr>
+          <a:lstStyle/>
+          <a:p>
+            <a:r>
+              <a:rPr lang="zh-CN" altLang="en-US" sz="1100" dirty="0" smtClean="0"/>
+              <a:t>调用</a:t>
+            </a:r>
+            <a:r>
+              <a:rPr lang="en-US" altLang="zh-CN" sz="1100" dirty="0" err="1" smtClean="0"/>
+              <a:t>LumenSceneDirectLighting.usf</a:t>
+            </a:r>
+            <a:endParaRPr lang="zh-CN" altLang="en-US" sz="1100" dirty="0"/>
+          </a:p>
+        </p:txBody>
+      </p:sp>
+      <p:sp>
+        <p:nvSpPr>
+          <p:cNvPr id="11" name="文本框 10"/>
+          <p:cNvSpPr txBox="1"/>
+          <p:nvPr/>
+        </p:nvSpPr>
+        <p:spPr>
+          <a:xfrm>
+            <a:off x="7809136" y="181734"/>
+            <a:ext cx="3696846" cy="261610"/>
+          </a:xfrm>
+          <a:prstGeom prst="rect">
+            <a:avLst/>
+          </a:prstGeom>
+          <a:noFill/>
+        </p:spPr>
+        <p:txBody>
+          <a:bodyPr wrap="none" rtlCol="0">
+            <a:spAutoFit/>
+          </a:bodyPr>
+          <a:lstStyle/>
+          <a:p>
+            <a:r>
+              <a:rPr lang="zh-CN" altLang="en-US" sz="1100" dirty="0" smtClean="0"/>
+              <a:t>调用</a:t>
+            </a:r>
+            <a:r>
+              <a:rPr lang="en-US" altLang="zh-CN" sz="1100" dirty="0" err="1" smtClean="0"/>
+              <a:t>LumenSceneDirectShadowingHardwareRaytracing.usf</a:t>
+            </a:r>
+            <a:endParaRPr lang="zh-CN" altLang="en-US" sz="1100" dirty="0"/>
+          </a:p>
+        </p:txBody>
+      </p:sp>
+      <p:sp>
+        <p:nvSpPr>
+          <p:cNvPr id="12" name="文本框 11"/>
+          <p:cNvSpPr txBox="1"/>
+          <p:nvPr/>
+        </p:nvSpPr>
+        <p:spPr>
+          <a:xfrm>
+            <a:off x="7809136" y="878976"/>
+            <a:ext cx="2069797" cy="261610"/>
+          </a:xfrm>
+          <a:prstGeom prst="rect">
+            <a:avLst/>
+          </a:prstGeom>
+          <a:noFill/>
+        </p:spPr>
+        <p:txBody>
+          <a:bodyPr wrap="none" rtlCol="0">
+            <a:spAutoFit/>
+          </a:bodyPr>
+          <a:lstStyle/>
+          <a:p>
+            <a:r>
+              <a:rPr lang="zh-CN" altLang="en-US" sz="1100" dirty="0" smtClean="0"/>
+              <a:t>调用</a:t>
+            </a:r>
+            <a:r>
+              <a:rPr lang="en-US" altLang="zh-CN" sz="1100" dirty="0" err="1" smtClean="0"/>
+              <a:t>LumenMeshSDFCulling.usf</a:t>
+            </a:r>
+            <a:endParaRPr lang="zh-CN" altLang="en-US" sz="1100" dirty="0"/>
           </a:p>
         </p:txBody>
       </p:sp>
@@ -15001,11 +16016,6 @@
               </a:rPr>
               <a:t>Light Sorting</a:t>
             </a:r>
-            <a:endParaRPr lang="en-US" altLang="zh-CN" sz="1200" dirty="0" smtClean="0">
-              <a:solidFill>
-                <a:schemeClr val="tx1"/>
-              </a:solidFill>
-            </a:endParaRPr>
           </a:p>
         </p:txBody>
       </p:sp>
@@ -15067,11 +16077,6 @@
               </a:rPr>
               <a:t>VSM Page</a:t>
             </a:r>
-            <a:endParaRPr lang="en-US" altLang="zh-CN" sz="1200" dirty="0" smtClean="0">
-              <a:solidFill>
-                <a:schemeClr val="tx1"/>
-              </a:solidFill>
-            </a:endParaRPr>
           </a:p>
         </p:txBody>
       </p:sp>
@@ -15125,11 +16130,6 @@
               </a:rPr>
               <a:t>Early Occlusion</a:t>
             </a:r>
-            <a:endParaRPr lang="en-US" altLang="zh-CN" sz="1200" dirty="0" smtClean="0">
-              <a:solidFill>
-                <a:schemeClr val="tx1"/>
-              </a:solidFill>
-            </a:endParaRPr>
           </a:p>
         </p:txBody>
       </p:sp>
@@ -15183,11 +16183,6 @@
               </a:rPr>
               <a:t>Early Shadow Depth</a:t>
             </a:r>
-            <a:endParaRPr lang="en-US" altLang="zh-CN" sz="1200" dirty="0" smtClean="0">
-              <a:solidFill>
-                <a:schemeClr val="tx1"/>
-              </a:solidFill>
-            </a:endParaRPr>
           </a:p>
         </p:txBody>
       </p:sp>
@@ -15257,11 +16252,6 @@
               </a:rPr>
               <a:t>LUT</a:t>
             </a:r>
-            <a:endParaRPr lang="en-US" altLang="zh-CN" sz="1200" dirty="0" smtClean="0">
-              <a:solidFill>
-                <a:schemeClr val="tx1"/>
-              </a:solidFill>
-            </a:endParaRPr>
           </a:p>
         </p:txBody>
       </p:sp>

--- a/UE5_analysis/Lumen分析图.pptx
+++ b/UE5_analysis/Lumen分析图.pptx
@@ -5,7 +5,7 @@
     <p:sldMasterId id="2147483648" r:id="rId1"/>
   </p:sldMasterIdLst>
   <p:notesMasterIdLst>
-    <p:notesMasterId r:id="rId23"/>
+    <p:notesMasterId r:id="rId20"/>
   </p:notesMasterIdLst>
   <p:sldIdLst>
     <p:sldId id="256" r:id="rId2"/>
@@ -21,14 +21,11 @@
     <p:sldId id="270" r:id="rId12"/>
     <p:sldId id="278" r:id="rId13"/>
     <p:sldId id="271" r:id="rId14"/>
-    <p:sldId id="274" r:id="rId15"/>
-    <p:sldId id="275" r:id="rId16"/>
-    <p:sldId id="273" r:id="rId17"/>
-    <p:sldId id="276" r:id="rId18"/>
-    <p:sldId id="266" r:id="rId19"/>
-    <p:sldId id="265" r:id="rId20"/>
-    <p:sldId id="267" r:id="rId21"/>
-    <p:sldId id="277" r:id="rId22"/>
+    <p:sldId id="276" r:id="rId15"/>
+    <p:sldId id="266" r:id="rId16"/>
+    <p:sldId id="265" r:id="rId17"/>
+    <p:sldId id="267" r:id="rId18"/>
+    <p:sldId id="277" r:id="rId19"/>
   </p:sldIdLst>
   <p:sldSz cx="12192000" cy="6858000"/>
   <p:notesSz cx="6858000" cy="9144000"/>
@@ -217,7 +214,7 @@
           <a:p>
             <a:fld id="{EBED92C1-E1E7-4A47-950D-CDDCB864850B}" type="datetimeFigureOut">
               <a:rPr lang="zh-CN" altLang="en-US" smtClean="0"/>
-              <a:t>2021/7/7</a:t>
+              <a:t>2021/7/12</a:t>
             </a:fld>
             <a:endParaRPr lang="zh-CN" altLang="en-US"/>
           </a:p>
@@ -784,7 +781,7 @@
           <a:p>
             <a:fld id="{6C53308C-9145-4105-91FB-D2AE27DEB393}" type="datetimeFigureOut">
               <a:rPr lang="zh-CN" altLang="en-US" smtClean="0"/>
-              <a:t>2021/7/7</a:t>
+              <a:t>2021/7/12</a:t>
             </a:fld>
             <a:endParaRPr lang="zh-CN" altLang="en-US"/>
           </a:p>
@@ -954,7 +951,7 @@
           <a:p>
             <a:fld id="{6C53308C-9145-4105-91FB-D2AE27DEB393}" type="datetimeFigureOut">
               <a:rPr lang="zh-CN" altLang="en-US" smtClean="0"/>
-              <a:t>2021/7/7</a:t>
+              <a:t>2021/7/12</a:t>
             </a:fld>
             <a:endParaRPr lang="zh-CN" altLang="en-US"/>
           </a:p>
@@ -1134,7 +1131,7 @@
           <a:p>
             <a:fld id="{6C53308C-9145-4105-91FB-D2AE27DEB393}" type="datetimeFigureOut">
               <a:rPr lang="zh-CN" altLang="en-US" smtClean="0"/>
-              <a:t>2021/7/7</a:t>
+              <a:t>2021/7/12</a:t>
             </a:fld>
             <a:endParaRPr lang="zh-CN" altLang="en-US"/>
           </a:p>
@@ -1304,7 +1301,7 @@
           <a:p>
             <a:fld id="{6C53308C-9145-4105-91FB-D2AE27DEB393}" type="datetimeFigureOut">
               <a:rPr lang="zh-CN" altLang="en-US" smtClean="0"/>
-              <a:t>2021/7/7</a:t>
+              <a:t>2021/7/12</a:t>
             </a:fld>
             <a:endParaRPr lang="zh-CN" altLang="en-US"/>
           </a:p>
@@ -1550,7 +1547,7 @@
           <a:p>
             <a:fld id="{6C53308C-9145-4105-91FB-D2AE27DEB393}" type="datetimeFigureOut">
               <a:rPr lang="zh-CN" altLang="en-US" smtClean="0"/>
-              <a:t>2021/7/7</a:t>
+              <a:t>2021/7/12</a:t>
             </a:fld>
             <a:endParaRPr lang="zh-CN" altLang="en-US"/>
           </a:p>
@@ -1782,7 +1779,7 @@
           <a:p>
             <a:fld id="{6C53308C-9145-4105-91FB-D2AE27DEB393}" type="datetimeFigureOut">
               <a:rPr lang="zh-CN" altLang="en-US" smtClean="0"/>
-              <a:t>2021/7/7</a:t>
+              <a:t>2021/7/12</a:t>
             </a:fld>
             <a:endParaRPr lang="zh-CN" altLang="en-US"/>
           </a:p>
@@ -2149,7 +2146,7 @@
           <a:p>
             <a:fld id="{6C53308C-9145-4105-91FB-D2AE27DEB393}" type="datetimeFigureOut">
               <a:rPr lang="zh-CN" altLang="en-US" smtClean="0"/>
-              <a:t>2021/7/7</a:t>
+              <a:t>2021/7/12</a:t>
             </a:fld>
             <a:endParaRPr lang="zh-CN" altLang="en-US"/>
           </a:p>
@@ -2267,7 +2264,7 @@
           <a:p>
             <a:fld id="{6C53308C-9145-4105-91FB-D2AE27DEB393}" type="datetimeFigureOut">
               <a:rPr lang="zh-CN" altLang="en-US" smtClean="0"/>
-              <a:t>2021/7/7</a:t>
+              <a:t>2021/7/12</a:t>
             </a:fld>
             <a:endParaRPr lang="zh-CN" altLang="en-US"/>
           </a:p>
@@ -2362,7 +2359,7 @@
           <a:p>
             <a:fld id="{6C53308C-9145-4105-91FB-D2AE27DEB393}" type="datetimeFigureOut">
               <a:rPr lang="zh-CN" altLang="en-US" smtClean="0"/>
-              <a:t>2021/7/7</a:t>
+              <a:t>2021/7/12</a:t>
             </a:fld>
             <a:endParaRPr lang="zh-CN" altLang="en-US"/>
           </a:p>
@@ -2639,7 +2636,7 @@
           <a:p>
             <a:fld id="{6C53308C-9145-4105-91FB-D2AE27DEB393}" type="datetimeFigureOut">
               <a:rPr lang="zh-CN" altLang="en-US" smtClean="0"/>
-              <a:t>2021/7/7</a:t>
+              <a:t>2021/7/12</a:t>
             </a:fld>
             <a:endParaRPr lang="zh-CN" altLang="en-US"/>
           </a:p>
@@ -2892,7 +2889,7 @@
           <a:p>
             <a:fld id="{6C53308C-9145-4105-91FB-D2AE27DEB393}" type="datetimeFigureOut">
               <a:rPr lang="zh-CN" altLang="en-US" smtClean="0"/>
-              <a:t>2021/7/7</a:t>
+              <a:t>2021/7/12</a:t>
             </a:fld>
             <a:endParaRPr lang="zh-CN" altLang="en-US"/>
           </a:p>
@@ -3105,7 +3102,7 @@
           <a:p>
             <a:fld id="{6C53308C-9145-4105-91FB-D2AE27DEB393}" type="datetimeFigureOut">
               <a:rPr lang="zh-CN" altLang="en-US" smtClean="0"/>
-              <a:t>2021/7/7</a:t>
+              <a:t>2021/7/12</a:t>
             </a:fld>
             <a:endParaRPr lang="zh-CN" altLang="en-US"/>
           </a:p>
@@ -7291,6 +7288,92 @@
           </a:p>
         </p:txBody>
       </p:sp>
+      <p:sp>
+        <p:nvSpPr>
+          <p:cNvPr id="2" name="文本框 1"/>
+          <p:cNvSpPr txBox="1"/>
+          <p:nvPr/>
+        </p:nvSpPr>
+        <p:spPr>
+          <a:xfrm>
+            <a:off x="9171920" y="2052604"/>
+            <a:ext cx="1813317" cy="461665"/>
+          </a:xfrm>
+          <a:prstGeom prst="rect">
+            <a:avLst/>
+          </a:prstGeom>
+          <a:noFill/>
+        </p:spPr>
+        <p:txBody>
+          <a:bodyPr wrap="none" rtlCol="0">
+            <a:spAutoFit/>
+          </a:bodyPr>
+          <a:lstStyle/>
+          <a:p>
+            <a:r>
+              <a:rPr lang="zh-CN" altLang="en-US" sz="1200" dirty="0" smtClean="0"/>
+              <a:t>使用</a:t>
+            </a:r>
+            <a:r>
+              <a:rPr lang="en-US" altLang="zh-CN" sz="1200" dirty="0" err="1" smtClean="0"/>
+              <a:t>clipmap</a:t>
+            </a:r>
+            <a:r>
+              <a:rPr lang="zh-CN" altLang="en-US" sz="1200" dirty="0" smtClean="0"/>
+              <a:t>来存储</a:t>
+            </a:r>
+            <a:r>
+              <a:rPr lang="en-US" altLang="zh-CN" sz="1200" dirty="0" smtClean="0"/>
+              <a:t>voxel</a:t>
+            </a:r>
+          </a:p>
+          <a:p>
+            <a:endParaRPr lang="zh-CN" altLang="en-US" sz="1200" dirty="0"/>
+          </a:p>
+        </p:txBody>
+      </p:sp>
+      <p:sp>
+        <p:nvSpPr>
+          <p:cNvPr id="28" name="文本框 27"/>
+          <p:cNvSpPr txBox="1"/>
+          <p:nvPr/>
+        </p:nvSpPr>
+        <p:spPr>
+          <a:xfrm>
+            <a:off x="7007201" y="3656035"/>
+            <a:ext cx="3082895" cy="276999"/>
+          </a:xfrm>
+          <a:prstGeom prst="rect">
+            <a:avLst/>
+          </a:prstGeom>
+          <a:noFill/>
+        </p:spPr>
+        <p:txBody>
+          <a:bodyPr wrap="none" rtlCol="0">
+            <a:spAutoFit/>
+          </a:bodyPr>
+          <a:lstStyle/>
+          <a:p>
+            <a:r>
+              <a:rPr lang="zh-CN" altLang="en-US" sz="1200" dirty="0" smtClean="0"/>
+              <a:t>这里的</a:t>
+            </a:r>
+            <a:r>
+              <a:rPr lang="en-US" altLang="zh-CN" sz="1200" dirty="0" err="1" smtClean="0"/>
+              <a:t>GIVolume</a:t>
+            </a:r>
+            <a:r>
+              <a:rPr lang="zh-CN" altLang="en-US" sz="1200" dirty="0" smtClean="0"/>
+              <a:t>其实就是做</a:t>
+            </a:r>
+            <a:r>
+              <a:rPr lang="en-US" altLang="zh-CN" sz="1200" smtClean="0"/>
+              <a:t>volume Tracing</a:t>
+            </a:r>
+            <a:endParaRPr lang="zh-CN" altLang="en-US" sz="1200" dirty="0"/>
+          </a:p>
+        </p:txBody>
+      </p:sp>
     </p:spTree>
     <p:extLst>
       <p:ext uri="{BB962C8B-B14F-4D97-AF65-F5344CB8AC3E}">
@@ -9949,11 +10032,7 @@
           <a:p>
             <a:r>
               <a:rPr lang="en-US" altLang="zh-CN" sz="1200" dirty="0" err="1" smtClean="0"/>
-              <a:t>LumenRadiosity</a:t>
-            </a:r>
-            <a:r>
-              <a:rPr lang="en-US" altLang="zh-CN" sz="1200" dirty="0" err="1" smtClean="0"/>
-              <a:t>.usf</a:t>
+              <a:t>LumenRadiosity.usf</a:t>
             </a:r>
             <a:endParaRPr lang="en-US" altLang="zh-CN" sz="1200" dirty="0"/>
           </a:p>
@@ -10811,8 +10890,8 @@
         </p:nvSpPr>
         <p:spPr>
           <a:xfrm>
-            <a:off x="933583" y="537130"/>
-            <a:ext cx="2630848" cy="369332"/>
+            <a:off x="3152442" y="2417085"/>
+            <a:ext cx="5832046" cy="923330"/>
           </a:xfrm>
           <a:prstGeom prst="rect">
             <a:avLst/>
@@ -10826,16 +10905,51 @@
           <a:lstStyle/>
           <a:p>
             <a:r>
-              <a:rPr lang="en-US" altLang="zh-CN" dirty="0"/>
-              <a:t>LumenScenePrefilter.cpp</a:t>
-            </a:r>
+              <a:rPr lang="zh-CN" altLang="en-US" dirty="0" smtClean="0"/>
+              <a:t>上面几个操作是在做直接光的同时以不同方式</a:t>
+            </a:r>
+            <a:r>
+              <a:rPr lang="en-US" altLang="zh-CN" dirty="0" smtClean="0"/>
+              <a:t>cache</a:t>
+            </a:r>
+            <a:r>
+              <a:rPr lang="zh-CN" altLang="en-US" dirty="0" smtClean="0"/>
+              <a:t>光照</a:t>
+            </a:r>
+            <a:endParaRPr lang="en-US" altLang="zh-CN" dirty="0" smtClean="0"/>
+          </a:p>
+          <a:p>
+            <a:endParaRPr lang="en-US" altLang="zh-CN" dirty="0"/>
+          </a:p>
+          <a:p>
+            <a:r>
+              <a:rPr lang="zh-CN" altLang="en-US" dirty="0" smtClean="0"/>
+              <a:t>下面几个操作就是放置</a:t>
+            </a:r>
+            <a:r>
+              <a:rPr lang="en-US" altLang="zh-CN" dirty="0" smtClean="0"/>
+              <a:t>probe</a:t>
+            </a:r>
+            <a:r>
+              <a:rPr lang="zh-CN" altLang="en-US" dirty="0" smtClean="0"/>
+              <a:t>然后</a:t>
+            </a:r>
+            <a:r>
+              <a:rPr lang="en-US" altLang="zh-CN" dirty="0" smtClean="0"/>
+              <a:t>trace cache</a:t>
+            </a:r>
+            <a:r>
+              <a:rPr lang="zh-CN" altLang="en-US" dirty="0" smtClean="0"/>
+              <a:t>的结果了</a:t>
+            </a:r>
+            <a:endParaRPr lang="zh-CN" altLang="en-US" dirty="0"/>
           </a:p>
         </p:txBody>
       </p:sp>
     </p:spTree>
     <p:extLst>
       <p:ext uri="{BB962C8B-B14F-4D97-AF65-F5344CB8AC3E}">
-        <p14:creationId xmlns:p14="http://schemas.microsoft.com/office/powerpoint/2010/main" val="3753599191"/>
+        <p14:creationId xmlns:p14="http://schemas.microsoft.com/office/powerpoint/2010/main" val="3050501845"/>
       </p:ext>
     </p:extLst>
   </p:cSld>
@@ -10871,7 +10985,7 @@
         <p:spPr>
           <a:xfrm>
             <a:off x="933583" y="537130"/>
-            <a:ext cx="2627642" cy="369332"/>
+            <a:ext cx="3392275" cy="369332"/>
           </a:xfrm>
           <a:prstGeom prst="rect">
             <a:avLst/>
@@ -10886,7 +11000,7 @@
           <a:p>
             <a:r>
               <a:rPr lang="en-US" altLang="zh-CN" dirty="0" smtClean="0"/>
-              <a:t>LumenVoxelLighting.cpp</a:t>
+              <a:t>LumenIrradianceFieldGather.cpp</a:t>
             </a:r>
             <a:endParaRPr lang="zh-CN" altLang="en-US" dirty="0"/>
           </a:p>
@@ -10895,7 +11009,7 @@
     </p:spTree>
     <p:extLst>
       <p:ext uri="{BB962C8B-B14F-4D97-AF65-F5344CB8AC3E}">
-        <p14:creationId xmlns:p14="http://schemas.microsoft.com/office/powerpoint/2010/main" val="1431853862"/>
+        <p14:creationId xmlns:p14="http://schemas.microsoft.com/office/powerpoint/2010/main" val="1418804606"/>
       </p:ext>
     </p:extLst>
   </p:cSld>
@@ -10931,7 +11045,7 @@
         <p:spPr>
           <a:xfrm>
             <a:off x="933583" y="537130"/>
-            <a:ext cx="4121641" cy="369332"/>
+            <a:ext cx="2784737" cy="369332"/>
           </a:xfrm>
           <a:prstGeom prst="rect">
             <a:avLst/>
@@ -10945,17 +11059,17 @@
           <a:lstStyle/>
           <a:p>
             <a:r>
-              <a:rPr lang="en-US" altLang="zh-CN"/>
-              <a:t>LumenTranslucencyVolumeLighting.cpp</a:t>
-            </a:r>
-            <a:endParaRPr lang="en-US" altLang="zh-CN" dirty="0"/>
+              <a:rPr lang="en-US" altLang="zh-CN" dirty="0" smtClean="0"/>
+              <a:t>LumenRadianceCache.cpp</a:t>
+            </a:r>
+            <a:endParaRPr lang="zh-CN" altLang="en-US" dirty="0"/>
           </a:p>
         </p:txBody>
       </p:sp>
     </p:spTree>
     <p:extLst>
       <p:ext uri="{BB962C8B-B14F-4D97-AF65-F5344CB8AC3E}">
-        <p14:creationId xmlns:p14="http://schemas.microsoft.com/office/powerpoint/2010/main" val="2448034732"/>
+        <p14:creationId xmlns:p14="http://schemas.microsoft.com/office/powerpoint/2010/main" val="3265358579"/>
       </p:ext>
     </p:extLst>
   </p:cSld>
@@ -10990,8 +11104,8 @@
         </p:nvSpPr>
         <p:spPr>
           <a:xfrm>
-            <a:off x="3152442" y="2417085"/>
-            <a:ext cx="5832046" cy="923330"/>
+            <a:off x="933583" y="537130"/>
+            <a:ext cx="3264035" cy="369332"/>
           </a:xfrm>
           <a:prstGeom prst="rect">
             <a:avLst/>
@@ -11005,51 +11119,17 @@
           <a:lstStyle/>
           <a:p>
             <a:r>
-              <a:rPr lang="zh-CN" altLang="en-US" dirty="0" smtClean="0"/>
-              <a:t>上面几个操作是在做直接光的同时以不同方式</a:t>
-            </a:r>
-            <a:r>
-              <a:rPr lang="en-US" altLang="zh-CN" dirty="0" smtClean="0"/>
-              <a:t>cache</a:t>
-            </a:r>
-            <a:r>
-              <a:rPr lang="zh-CN" altLang="en-US" dirty="0" smtClean="0"/>
-              <a:t>光照</a:t>
-            </a:r>
-            <a:endParaRPr lang="en-US" altLang="zh-CN" dirty="0" smtClean="0"/>
-          </a:p>
-          <a:p>
+              <a:rPr lang="en-US" altLang="zh-CN"/>
+              <a:t>LumenScreenProbeTracing.cpp</a:t>
+            </a:r>
             <a:endParaRPr lang="en-US" altLang="zh-CN" dirty="0"/>
-          </a:p>
-          <a:p>
-            <a:r>
-              <a:rPr lang="zh-CN" altLang="en-US" dirty="0" smtClean="0"/>
-              <a:t>下面几个操作就是放置</a:t>
-            </a:r>
-            <a:r>
-              <a:rPr lang="en-US" altLang="zh-CN" dirty="0" smtClean="0"/>
-              <a:t>probe</a:t>
-            </a:r>
-            <a:r>
-              <a:rPr lang="zh-CN" altLang="en-US" dirty="0" smtClean="0"/>
-              <a:t>然后</a:t>
-            </a:r>
-            <a:r>
-              <a:rPr lang="en-US" altLang="zh-CN" dirty="0" smtClean="0"/>
-              <a:t>trace cache</a:t>
-            </a:r>
-            <a:r>
-              <a:rPr lang="zh-CN" altLang="en-US" dirty="0" smtClean="0"/>
-              <a:t>的结果了</a:t>
-            </a:r>
-            <a:endParaRPr lang="zh-CN" altLang="en-US" dirty="0"/>
           </a:p>
         </p:txBody>
       </p:sp>
     </p:spTree>
     <p:extLst>
       <p:ext uri="{BB962C8B-B14F-4D97-AF65-F5344CB8AC3E}">
-        <p14:creationId xmlns:p14="http://schemas.microsoft.com/office/powerpoint/2010/main" val="3050501845"/>
+        <p14:creationId xmlns:p14="http://schemas.microsoft.com/office/powerpoint/2010/main" val="505883602"/>
       </p:ext>
     </p:extLst>
   </p:cSld>
@@ -11084,8 +11164,8 @@
         </p:nvSpPr>
         <p:spPr>
           <a:xfrm>
-            <a:off x="933583" y="537130"/>
-            <a:ext cx="3392275" cy="369332"/>
+            <a:off x="4162758" y="2461846"/>
+            <a:ext cx="2929007" cy="923330"/>
           </a:xfrm>
           <a:prstGeom prst="rect">
             <a:avLst/>
@@ -11099,8 +11179,42 @@
           <a:lstStyle/>
           <a:p>
             <a:r>
+              <a:rPr lang="zh-CN" altLang="en-US" dirty="0" smtClean="0"/>
+              <a:t>   上面是</a:t>
+            </a:r>
+            <a:r>
               <a:rPr lang="en-US" altLang="zh-CN" dirty="0" smtClean="0"/>
-              <a:t>LumenIrradianceFieldGather.cpp</a:t>
+              <a:t>CPU</a:t>
+            </a:r>
+            <a:r>
+              <a:rPr lang="zh-CN" altLang="en-US" dirty="0" smtClean="0"/>
+              <a:t>的整体逻辑</a:t>
+            </a:r>
+            <a:endParaRPr lang="en-US" altLang="zh-CN" dirty="0" smtClean="0"/>
+          </a:p>
+          <a:p>
+            <a:endParaRPr lang="en-US" altLang="zh-CN" dirty="0"/>
+          </a:p>
+          <a:p>
+            <a:r>
+              <a:rPr lang="zh-CN" altLang="en-US" dirty="0" smtClean="0"/>
+              <a:t>下面是</a:t>
+            </a:r>
+            <a:r>
+              <a:rPr lang="en-US" altLang="zh-CN" dirty="0" smtClean="0"/>
+              <a:t>GPU</a:t>
+            </a:r>
+            <a:r>
+              <a:rPr lang="zh-CN" altLang="en-US" dirty="0" smtClean="0"/>
+              <a:t>的几个</a:t>
+            </a:r>
+            <a:r>
+              <a:rPr lang="zh-CN" altLang="en-US" dirty="0"/>
+              <a:t>关键</a:t>
+            </a:r>
+            <a:r>
+              <a:rPr lang="zh-CN" altLang="en-US" dirty="0" smtClean="0"/>
+              <a:t>逻辑</a:t>
             </a:r>
             <a:endParaRPr lang="zh-CN" altLang="en-US" dirty="0"/>
           </a:p>
@@ -11109,67 +11223,7 @@
     </p:spTree>
     <p:extLst>
       <p:ext uri="{BB962C8B-B14F-4D97-AF65-F5344CB8AC3E}">
-        <p14:creationId xmlns:p14="http://schemas.microsoft.com/office/powerpoint/2010/main" val="1418804606"/>
-      </p:ext>
-    </p:extLst>
-  </p:cSld>
-  <p:clrMapOvr>
-    <a:masterClrMapping/>
-  </p:clrMapOvr>
-</p:sld>
-</file>
-
-<file path=ppt/slides/slide19.xml><?xml version="1.0" encoding="utf-8"?>
-<p:sld xmlns:a="http://schemas.openxmlformats.org/drawingml/2006/main" xmlns:r="http://schemas.openxmlformats.org/officeDocument/2006/relationships" xmlns:p="http://schemas.openxmlformats.org/presentationml/2006/main">
-  <p:cSld>
-    <p:spTree>
-      <p:nvGrpSpPr>
-        <p:cNvPr id="1" name=""/>
-        <p:cNvGrpSpPr/>
-        <p:nvPr/>
-      </p:nvGrpSpPr>
-      <p:grpSpPr>
-        <a:xfrm>
-          <a:off x="0" y="0"/>
-          <a:ext cx="0" cy="0"/>
-          <a:chOff x="0" y="0"/>
-          <a:chExt cx="0" cy="0"/>
-        </a:xfrm>
-      </p:grpSpPr>
-      <p:sp>
-        <p:nvSpPr>
-          <p:cNvPr id="4" name="文本框 3"/>
-          <p:cNvSpPr txBox="1"/>
-          <p:nvPr/>
-        </p:nvSpPr>
-        <p:spPr>
-          <a:xfrm>
-            <a:off x="933583" y="537130"/>
-            <a:ext cx="2784737" cy="369332"/>
-          </a:xfrm>
-          <a:prstGeom prst="rect">
-            <a:avLst/>
-          </a:prstGeom>
-          <a:noFill/>
-        </p:spPr>
-        <p:txBody>
-          <a:bodyPr wrap="none" rtlCol="0">
-            <a:spAutoFit/>
-          </a:bodyPr>
-          <a:lstStyle/>
-          <a:p>
-            <a:r>
-              <a:rPr lang="en-US" altLang="zh-CN" dirty="0" smtClean="0"/>
-              <a:t>LumenRadianceCache.cpp</a:t>
-            </a:r>
-            <a:endParaRPr lang="zh-CN" altLang="en-US" dirty="0"/>
-          </a:p>
-        </p:txBody>
-      </p:sp>
-    </p:spTree>
-    <p:extLst>
-      <p:ext uri="{BB962C8B-B14F-4D97-AF65-F5344CB8AC3E}">
-        <p14:creationId xmlns:p14="http://schemas.microsoft.com/office/powerpoint/2010/main" val="3265358579"/>
+        <p14:creationId xmlns:p14="http://schemas.microsoft.com/office/powerpoint/2010/main" val="1344937538"/>
       </p:ext>
     </p:extLst>
   </p:cSld>
@@ -11564,160 +11618,6 @@
     <p:extLst>
       <p:ext uri="{BB962C8B-B14F-4D97-AF65-F5344CB8AC3E}">
         <p14:creationId xmlns:p14="http://schemas.microsoft.com/office/powerpoint/2010/main" val="2620848368"/>
-      </p:ext>
-    </p:extLst>
-  </p:cSld>
-  <p:clrMapOvr>
-    <a:masterClrMapping/>
-  </p:clrMapOvr>
-</p:sld>
-</file>
-
-<file path=ppt/slides/slide20.xml><?xml version="1.0" encoding="utf-8"?>
-<p:sld xmlns:a="http://schemas.openxmlformats.org/drawingml/2006/main" xmlns:r="http://schemas.openxmlformats.org/officeDocument/2006/relationships" xmlns:p="http://schemas.openxmlformats.org/presentationml/2006/main">
-  <p:cSld>
-    <p:spTree>
-      <p:nvGrpSpPr>
-        <p:cNvPr id="1" name=""/>
-        <p:cNvGrpSpPr/>
-        <p:nvPr/>
-      </p:nvGrpSpPr>
-      <p:grpSpPr>
-        <a:xfrm>
-          <a:off x="0" y="0"/>
-          <a:ext cx="0" cy="0"/>
-          <a:chOff x="0" y="0"/>
-          <a:chExt cx="0" cy="0"/>
-        </a:xfrm>
-      </p:grpSpPr>
-      <p:sp>
-        <p:nvSpPr>
-          <p:cNvPr id="4" name="文本框 3"/>
-          <p:cNvSpPr txBox="1"/>
-          <p:nvPr/>
-        </p:nvSpPr>
-        <p:spPr>
-          <a:xfrm>
-            <a:off x="933583" y="537130"/>
-            <a:ext cx="3264035" cy="369332"/>
-          </a:xfrm>
-          <a:prstGeom prst="rect">
-            <a:avLst/>
-          </a:prstGeom>
-          <a:noFill/>
-        </p:spPr>
-        <p:txBody>
-          <a:bodyPr wrap="none" rtlCol="0">
-            <a:spAutoFit/>
-          </a:bodyPr>
-          <a:lstStyle/>
-          <a:p>
-            <a:r>
-              <a:rPr lang="en-US" altLang="zh-CN"/>
-              <a:t>LumenScreenProbeTracing.cpp</a:t>
-            </a:r>
-            <a:endParaRPr lang="en-US" altLang="zh-CN" dirty="0"/>
-          </a:p>
-        </p:txBody>
-      </p:sp>
-    </p:spTree>
-    <p:extLst>
-      <p:ext uri="{BB962C8B-B14F-4D97-AF65-F5344CB8AC3E}">
-        <p14:creationId xmlns:p14="http://schemas.microsoft.com/office/powerpoint/2010/main" val="505883602"/>
-      </p:ext>
-    </p:extLst>
-  </p:cSld>
-  <p:clrMapOvr>
-    <a:masterClrMapping/>
-  </p:clrMapOvr>
-</p:sld>
-</file>
-
-<file path=ppt/slides/slide21.xml><?xml version="1.0" encoding="utf-8"?>
-<p:sld xmlns:a="http://schemas.openxmlformats.org/drawingml/2006/main" xmlns:r="http://schemas.openxmlformats.org/officeDocument/2006/relationships" xmlns:p="http://schemas.openxmlformats.org/presentationml/2006/main">
-  <p:cSld>
-    <p:spTree>
-      <p:nvGrpSpPr>
-        <p:cNvPr id="1" name=""/>
-        <p:cNvGrpSpPr/>
-        <p:nvPr/>
-      </p:nvGrpSpPr>
-      <p:grpSpPr>
-        <a:xfrm>
-          <a:off x="0" y="0"/>
-          <a:ext cx="0" cy="0"/>
-          <a:chOff x="0" y="0"/>
-          <a:chExt cx="0" cy="0"/>
-        </a:xfrm>
-      </p:grpSpPr>
-      <p:sp>
-        <p:nvSpPr>
-          <p:cNvPr id="4" name="文本框 3"/>
-          <p:cNvSpPr txBox="1"/>
-          <p:nvPr/>
-        </p:nvSpPr>
-        <p:spPr>
-          <a:xfrm>
-            <a:off x="4162758" y="2461846"/>
-            <a:ext cx="2929007" cy="923330"/>
-          </a:xfrm>
-          <a:prstGeom prst="rect">
-            <a:avLst/>
-          </a:prstGeom>
-          <a:noFill/>
-        </p:spPr>
-        <p:txBody>
-          <a:bodyPr wrap="none" rtlCol="0">
-            <a:spAutoFit/>
-          </a:bodyPr>
-          <a:lstStyle/>
-          <a:p>
-            <a:r>
-              <a:rPr lang="zh-CN" altLang="en-US" dirty="0" smtClean="0"/>
-              <a:t>   上面是</a:t>
-            </a:r>
-            <a:r>
-              <a:rPr lang="en-US" altLang="zh-CN" dirty="0" smtClean="0"/>
-              <a:t>CPU</a:t>
-            </a:r>
-            <a:r>
-              <a:rPr lang="zh-CN" altLang="en-US" dirty="0" smtClean="0"/>
-              <a:t>的整体逻辑</a:t>
-            </a:r>
-            <a:endParaRPr lang="en-US" altLang="zh-CN" dirty="0" smtClean="0"/>
-          </a:p>
-          <a:p>
-            <a:endParaRPr lang="en-US" altLang="zh-CN" dirty="0"/>
-          </a:p>
-          <a:p>
-            <a:r>
-              <a:rPr lang="zh-CN" altLang="en-US" dirty="0" smtClean="0"/>
-              <a:t>下面是</a:t>
-            </a:r>
-            <a:r>
-              <a:rPr lang="en-US" altLang="zh-CN" dirty="0" smtClean="0"/>
-              <a:t>GPU</a:t>
-            </a:r>
-            <a:r>
-              <a:rPr lang="zh-CN" altLang="en-US" dirty="0" smtClean="0"/>
-              <a:t>的几个</a:t>
-            </a:r>
-            <a:r>
-              <a:rPr lang="zh-CN" altLang="en-US" dirty="0"/>
-              <a:t>关键</a:t>
-            </a:r>
-            <a:r>
-              <a:rPr lang="zh-CN" altLang="en-US" dirty="0" smtClean="0"/>
-              <a:t>逻辑</a:t>
-            </a:r>
-            <a:endParaRPr lang="zh-CN" altLang="en-US" dirty="0"/>
-          </a:p>
-        </p:txBody>
-      </p:sp>
-    </p:spTree>
-    <p:extLst>
-      <p:ext uri="{BB962C8B-B14F-4D97-AF65-F5344CB8AC3E}">
-        <p14:creationId xmlns:p14="http://schemas.microsoft.com/office/powerpoint/2010/main" val="1344937538"/>
       </p:ext>
     </p:extLst>
   </p:cSld>
